--- a/dapr3_lectures/dapr3_fa_lec/img_sandbox/intropathtrace.pptx
+++ b/dapr3_lectures/dapr3_fa_lec/img_sandbox/intropathtrace.pptx
@@ -11,6 +11,7 @@
     <p:sldId id="260" r:id="rId5"/>
     <p:sldId id="259" r:id="rId6"/>
     <p:sldId id="261" r:id="rId7"/>
+    <p:sldId id="262" r:id="rId8"/>
   </p:sldIdLst>
   <p:sldSz cx="12192000" cy="6858000"/>
   <p:notesSz cx="6858000" cy="9144000"/>
@@ -266,7 +267,7 @@
           <a:p>
             <a:fld id="{6487BBF2-5813-4A92-ADF4-45C081C37504}" type="datetimeFigureOut">
               <a:rPr lang="en-GB" smtClean="0"/>
-              <a:t>04/11/2025</a:t>
+              <a:t>22/11/2025</a:t>
             </a:fld>
             <a:endParaRPr lang="en-GB"/>
           </a:p>
@@ -466,7 +467,7 @@
           <a:p>
             <a:fld id="{6487BBF2-5813-4A92-ADF4-45C081C37504}" type="datetimeFigureOut">
               <a:rPr lang="en-GB" smtClean="0"/>
-              <a:t>04/11/2025</a:t>
+              <a:t>22/11/2025</a:t>
             </a:fld>
             <a:endParaRPr lang="en-GB"/>
           </a:p>
@@ -676,7 +677,7 @@
           <a:p>
             <a:fld id="{6487BBF2-5813-4A92-ADF4-45C081C37504}" type="datetimeFigureOut">
               <a:rPr lang="en-GB" smtClean="0"/>
-              <a:t>04/11/2025</a:t>
+              <a:t>22/11/2025</a:t>
             </a:fld>
             <a:endParaRPr lang="en-GB"/>
           </a:p>
@@ -876,7 +877,7 @@
           <a:p>
             <a:fld id="{6487BBF2-5813-4A92-ADF4-45C081C37504}" type="datetimeFigureOut">
               <a:rPr lang="en-GB" smtClean="0"/>
-              <a:t>04/11/2025</a:t>
+              <a:t>22/11/2025</a:t>
             </a:fld>
             <a:endParaRPr lang="en-GB"/>
           </a:p>
@@ -1152,7 +1153,7 @@
           <a:p>
             <a:fld id="{6487BBF2-5813-4A92-ADF4-45C081C37504}" type="datetimeFigureOut">
               <a:rPr lang="en-GB" smtClean="0"/>
-              <a:t>04/11/2025</a:t>
+              <a:t>22/11/2025</a:t>
             </a:fld>
             <a:endParaRPr lang="en-GB"/>
           </a:p>
@@ -1420,7 +1421,7 @@
           <a:p>
             <a:fld id="{6487BBF2-5813-4A92-ADF4-45C081C37504}" type="datetimeFigureOut">
               <a:rPr lang="en-GB" smtClean="0"/>
-              <a:t>04/11/2025</a:t>
+              <a:t>22/11/2025</a:t>
             </a:fld>
             <a:endParaRPr lang="en-GB"/>
           </a:p>
@@ -1835,7 +1836,7 @@
           <a:p>
             <a:fld id="{6487BBF2-5813-4A92-ADF4-45C081C37504}" type="datetimeFigureOut">
               <a:rPr lang="en-GB" smtClean="0"/>
-              <a:t>04/11/2025</a:t>
+              <a:t>22/11/2025</a:t>
             </a:fld>
             <a:endParaRPr lang="en-GB"/>
           </a:p>
@@ -1977,7 +1978,7 @@
           <a:p>
             <a:fld id="{6487BBF2-5813-4A92-ADF4-45C081C37504}" type="datetimeFigureOut">
               <a:rPr lang="en-GB" smtClean="0"/>
-              <a:t>04/11/2025</a:t>
+              <a:t>22/11/2025</a:t>
             </a:fld>
             <a:endParaRPr lang="en-GB"/>
           </a:p>
@@ -2090,7 +2091,7 @@
           <a:p>
             <a:fld id="{6487BBF2-5813-4A92-ADF4-45C081C37504}" type="datetimeFigureOut">
               <a:rPr lang="en-GB" smtClean="0"/>
-              <a:t>04/11/2025</a:t>
+              <a:t>22/11/2025</a:t>
             </a:fld>
             <a:endParaRPr lang="en-GB"/>
           </a:p>
@@ -2403,7 +2404,7 @@
           <a:p>
             <a:fld id="{6487BBF2-5813-4A92-ADF4-45C081C37504}" type="datetimeFigureOut">
               <a:rPr lang="en-GB" smtClean="0"/>
-              <a:t>04/11/2025</a:t>
+              <a:t>22/11/2025</a:t>
             </a:fld>
             <a:endParaRPr lang="en-GB"/>
           </a:p>
@@ -2692,7 +2693,7 @@
           <a:p>
             <a:fld id="{6487BBF2-5813-4A92-ADF4-45C081C37504}" type="datetimeFigureOut">
               <a:rPr lang="en-GB" smtClean="0"/>
-              <a:t>04/11/2025</a:t>
+              <a:t>22/11/2025</a:t>
             </a:fld>
             <a:endParaRPr lang="en-GB"/>
           </a:p>
@@ -2935,7 +2936,7 @@
           <a:p>
             <a:fld id="{6487BBF2-5813-4A92-ADF4-45C081C37504}" type="datetimeFigureOut">
               <a:rPr lang="en-GB" smtClean="0"/>
-              <a:t>04/11/2025</a:t>
+              <a:t>22/11/2025</a:t>
             </a:fld>
             <a:endParaRPr lang="en-GB"/>
           </a:p>
@@ -19528,6 +19529,2860 @@
 </p:sld>
 </file>
 
+<file path=ppt/slides/slide7.xml><?xml version="1.0" encoding="utf-8"?>
+<p:sld xmlns:a="http://schemas.openxmlformats.org/drawingml/2006/main" xmlns:r="http://schemas.openxmlformats.org/officeDocument/2006/relationships" xmlns:p="http://schemas.openxmlformats.org/presentationml/2006/main">
+  <p:cSld>
+    <p:spTree>
+      <p:nvGrpSpPr>
+        <p:cNvPr id="1" name=""/>
+        <p:cNvGrpSpPr/>
+        <p:nvPr/>
+      </p:nvGrpSpPr>
+      <p:grpSpPr>
+        <a:xfrm>
+          <a:off x="0" y="0"/>
+          <a:ext cx="0" cy="0"/>
+          <a:chOff x="0" y="0"/>
+          <a:chExt cx="0" cy="0"/>
+        </a:xfrm>
+      </p:grpSpPr>
+      <p:grpSp>
+        <p:nvGrpSpPr>
+          <p:cNvPr id="4" name="Group 3">
+            <a:extLst>
+              <a:ext uri="{FF2B5EF4-FFF2-40B4-BE49-F238E27FC236}">
+                <a16:creationId xmlns:a16="http://schemas.microsoft.com/office/drawing/2014/main" id="{9E8278F3-B6BC-442F-9592-54FE80A1EA8A}"/>
+              </a:ext>
+            </a:extLst>
+          </p:cNvPr>
+          <p:cNvGrpSpPr/>
+          <p:nvPr/>
+        </p:nvGrpSpPr>
+        <p:grpSpPr>
+          <a:xfrm>
+            <a:off x="4273272" y="2240991"/>
+            <a:ext cx="3804676" cy="2511295"/>
+            <a:chOff x="784162" y="1319322"/>
+            <a:chExt cx="5405200" cy="3543367"/>
+          </a:xfrm>
+        </p:grpSpPr>
+        <p:sp>
+          <p:nvSpPr>
+            <p:cNvPr id="64" name="Arc 63">
+              <a:extLst>
+                <a:ext uri="{FF2B5EF4-FFF2-40B4-BE49-F238E27FC236}">
+                  <a16:creationId xmlns:a16="http://schemas.microsoft.com/office/drawing/2014/main" id="{1691CF3F-FAC2-4DA5-BF63-0B4D4D72F3A6}"/>
+                </a:ext>
+              </a:extLst>
+            </p:cNvPr>
+            <p:cNvSpPr/>
+            <p:nvPr/>
+          </p:nvSpPr>
+          <p:spPr>
+            <a:xfrm rot="1003916">
+              <a:off x="816248" y="3790689"/>
+              <a:ext cx="721895" cy="705852"/>
+            </a:xfrm>
+            <a:prstGeom prst="arc">
+              <a:avLst>
+                <a:gd name="adj1" fmla="val 16200000"/>
+                <a:gd name="adj2" fmla="val 13932934"/>
+              </a:avLst>
+            </a:prstGeom>
+            <a:noFill/>
+            <a:ln w="38100">
+              <a:solidFill>
+                <a:schemeClr val="tx1"/>
+              </a:solidFill>
+              <a:headEnd type="triangle" w="lg" len="lg"/>
+              <a:tailEnd type="triangle" w="lg" len="lg"/>
+            </a:ln>
+          </p:spPr>
+          <p:style>
+            <a:lnRef idx="1">
+              <a:schemeClr val="accent1"/>
+            </a:lnRef>
+            <a:fillRef idx="0">
+              <a:schemeClr val="accent1"/>
+            </a:fillRef>
+            <a:effectRef idx="0">
+              <a:schemeClr val="accent1"/>
+            </a:effectRef>
+            <a:fontRef idx="minor">
+              <a:schemeClr val="tx1"/>
+            </a:fontRef>
+          </p:style>
+          <p:txBody>
+            <a:bodyPr rtlCol="0" anchor="ctr"/>
+            <a:lstStyle/>
+            <a:p>
+              <a:pPr algn="ctr"/>
+              <a:endParaRPr lang="en-GB" sz="1400" dirty="0"/>
+            </a:p>
+          </p:txBody>
+        </p:sp>
+        <p:sp>
+          <p:nvSpPr>
+            <p:cNvPr id="65" name="Rectangle 64">
+              <a:extLst>
+                <a:ext uri="{FF2B5EF4-FFF2-40B4-BE49-F238E27FC236}">
+                  <a16:creationId xmlns:a16="http://schemas.microsoft.com/office/drawing/2014/main" id="{2D44291F-1D23-48B0-8155-E5B9189D0B29}"/>
+                </a:ext>
+              </a:extLst>
+            </p:cNvPr>
+            <p:cNvSpPr/>
+            <p:nvPr/>
+          </p:nvSpPr>
+          <p:spPr>
+            <a:xfrm>
+              <a:off x="784162" y="3076074"/>
+              <a:ext cx="721895" cy="705852"/>
+            </a:xfrm>
+            <a:prstGeom prst="rect">
+              <a:avLst/>
+            </a:prstGeom>
+            <a:noFill/>
+            <a:ln>
+              <a:solidFill>
+                <a:schemeClr val="tx1"/>
+              </a:solidFill>
+            </a:ln>
+          </p:spPr>
+          <p:style>
+            <a:lnRef idx="2">
+              <a:schemeClr val="accent1">
+                <a:shade val="50000"/>
+              </a:schemeClr>
+            </a:lnRef>
+            <a:fillRef idx="1">
+              <a:schemeClr val="accent1"/>
+            </a:fillRef>
+            <a:effectRef idx="0">
+              <a:schemeClr val="accent1"/>
+            </a:effectRef>
+            <a:fontRef idx="minor">
+              <a:schemeClr val="lt1"/>
+            </a:fontRef>
+          </p:style>
+          <p:txBody>
+            <a:bodyPr rtlCol="0" anchor="ctr"/>
+            <a:lstStyle/>
+            <a:p>
+              <a:pPr algn="ctr"/>
+              <a:r>
+                <a:rPr lang="en-GB" sz="1400" dirty="0">
+                  <a:solidFill>
+                    <a:schemeClr val="tx1"/>
+                  </a:solidFill>
+                </a:rPr>
+                <a:t>Y1</a:t>
+              </a:r>
+            </a:p>
+          </p:txBody>
+        </p:sp>
+        <p:sp>
+          <p:nvSpPr>
+            <p:cNvPr id="66" name="Rectangle 65">
+              <a:extLst>
+                <a:ext uri="{FF2B5EF4-FFF2-40B4-BE49-F238E27FC236}">
+                  <a16:creationId xmlns:a16="http://schemas.microsoft.com/office/drawing/2014/main" id="{35DE9A06-4DA6-4332-9AFB-19301BCBF9A4}"/>
+                </a:ext>
+              </a:extLst>
+            </p:cNvPr>
+            <p:cNvSpPr/>
+            <p:nvPr/>
+          </p:nvSpPr>
+          <p:spPr>
+            <a:xfrm>
+              <a:off x="2307484" y="3076074"/>
+              <a:ext cx="721895" cy="705852"/>
+            </a:xfrm>
+            <a:prstGeom prst="rect">
+              <a:avLst/>
+            </a:prstGeom>
+            <a:noFill/>
+            <a:ln>
+              <a:solidFill>
+                <a:schemeClr val="tx1"/>
+              </a:solidFill>
+            </a:ln>
+          </p:spPr>
+          <p:style>
+            <a:lnRef idx="2">
+              <a:schemeClr val="accent1">
+                <a:shade val="50000"/>
+              </a:schemeClr>
+            </a:lnRef>
+            <a:fillRef idx="1">
+              <a:schemeClr val="accent1"/>
+            </a:fillRef>
+            <a:effectRef idx="0">
+              <a:schemeClr val="accent1"/>
+            </a:effectRef>
+            <a:fontRef idx="minor">
+              <a:schemeClr val="lt1"/>
+            </a:fontRef>
+          </p:style>
+          <p:txBody>
+            <a:bodyPr rtlCol="0" anchor="ctr"/>
+            <a:lstStyle/>
+            <a:p>
+              <a:pPr algn="ctr"/>
+              <a:r>
+                <a:rPr lang="en-GB" sz="1400" dirty="0">
+                  <a:solidFill>
+                    <a:schemeClr val="tx1"/>
+                  </a:solidFill>
+                </a:rPr>
+                <a:t>Y2</a:t>
+              </a:r>
+            </a:p>
+          </p:txBody>
+        </p:sp>
+        <p:sp>
+          <p:nvSpPr>
+            <p:cNvPr id="67" name="Arc 66">
+              <a:extLst>
+                <a:ext uri="{FF2B5EF4-FFF2-40B4-BE49-F238E27FC236}">
+                  <a16:creationId xmlns:a16="http://schemas.microsoft.com/office/drawing/2014/main" id="{E888E1F1-280C-4843-8256-4C2FE1864DB0}"/>
+                </a:ext>
+              </a:extLst>
+            </p:cNvPr>
+            <p:cNvSpPr/>
+            <p:nvPr/>
+          </p:nvSpPr>
+          <p:spPr>
+            <a:xfrm rot="1003916">
+              <a:off x="2307483" y="3799452"/>
+              <a:ext cx="721895" cy="705852"/>
+            </a:xfrm>
+            <a:prstGeom prst="arc">
+              <a:avLst>
+                <a:gd name="adj1" fmla="val 16200000"/>
+                <a:gd name="adj2" fmla="val 13932934"/>
+              </a:avLst>
+            </a:prstGeom>
+            <a:noFill/>
+            <a:ln w="38100">
+              <a:solidFill>
+                <a:schemeClr val="tx1"/>
+              </a:solidFill>
+              <a:headEnd type="triangle" w="lg" len="lg"/>
+              <a:tailEnd type="triangle" w="lg" len="lg"/>
+            </a:ln>
+          </p:spPr>
+          <p:style>
+            <a:lnRef idx="1">
+              <a:schemeClr val="accent1"/>
+            </a:lnRef>
+            <a:fillRef idx="0">
+              <a:schemeClr val="accent1"/>
+            </a:fillRef>
+            <a:effectRef idx="0">
+              <a:schemeClr val="accent1"/>
+            </a:effectRef>
+            <a:fontRef idx="minor">
+              <a:schemeClr val="tx1"/>
+            </a:fontRef>
+          </p:style>
+          <p:txBody>
+            <a:bodyPr rtlCol="0" anchor="ctr"/>
+            <a:lstStyle/>
+            <a:p>
+              <a:pPr algn="ctr"/>
+              <a:endParaRPr lang="en-GB" sz="1400"/>
+            </a:p>
+          </p:txBody>
+        </p:sp>
+        <p:sp>
+          <p:nvSpPr>
+            <p:cNvPr id="85" name="Rectangle 84">
+              <a:extLst>
+                <a:ext uri="{FF2B5EF4-FFF2-40B4-BE49-F238E27FC236}">
+                  <a16:creationId xmlns:a16="http://schemas.microsoft.com/office/drawing/2014/main" id="{3D905296-943E-4230-BCA4-59A75EF5C5A7}"/>
+                </a:ext>
+              </a:extLst>
+            </p:cNvPr>
+            <p:cNvSpPr/>
+            <p:nvPr/>
+          </p:nvSpPr>
+          <p:spPr>
+            <a:xfrm>
+              <a:off x="3852690" y="3076074"/>
+              <a:ext cx="721895" cy="705852"/>
+            </a:xfrm>
+            <a:prstGeom prst="rect">
+              <a:avLst/>
+            </a:prstGeom>
+            <a:noFill/>
+            <a:ln>
+              <a:solidFill>
+                <a:schemeClr val="tx1"/>
+              </a:solidFill>
+            </a:ln>
+          </p:spPr>
+          <p:style>
+            <a:lnRef idx="2">
+              <a:schemeClr val="accent1">
+                <a:shade val="50000"/>
+              </a:schemeClr>
+            </a:lnRef>
+            <a:fillRef idx="1">
+              <a:schemeClr val="accent1"/>
+            </a:fillRef>
+            <a:effectRef idx="0">
+              <a:schemeClr val="accent1"/>
+            </a:effectRef>
+            <a:fontRef idx="minor">
+              <a:schemeClr val="lt1"/>
+            </a:fontRef>
+          </p:style>
+          <p:txBody>
+            <a:bodyPr rtlCol="0" anchor="ctr"/>
+            <a:lstStyle/>
+            <a:p>
+              <a:pPr algn="ctr"/>
+              <a:r>
+                <a:rPr lang="en-GB" sz="1400" dirty="0">
+                  <a:solidFill>
+                    <a:schemeClr val="tx1"/>
+                  </a:solidFill>
+                </a:rPr>
+                <a:t>Y3</a:t>
+              </a:r>
+            </a:p>
+          </p:txBody>
+        </p:sp>
+        <p:sp>
+          <p:nvSpPr>
+            <p:cNvPr id="86" name="Arc 85">
+              <a:extLst>
+                <a:ext uri="{FF2B5EF4-FFF2-40B4-BE49-F238E27FC236}">
+                  <a16:creationId xmlns:a16="http://schemas.microsoft.com/office/drawing/2014/main" id="{1AD23F76-7332-4DDB-AAD5-276343377AB2}"/>
+                </a:ext>
+              </a:extLst>
+            </p:cNvPr>
+            <p:cNvSpPr/>
+            <p:nvPr/>
+          </p:nvSpPr>
+          <p:spPr>
+            <a:xfrm rot="1003916">
+              <a:off x="3852689" y="3799452"/>
+              <a:ext cx="721895" cy="705852"/>
+            </a:xfrm>
+            <a:prstGeom prst="arc">
+              <a:avLst>
+                <a:gd name="adj1" fmla="val 16200000"/>
+                <a:gd name="adj2" fmla="val 13932934"/>
+              </a:avLst>
+            </a:prstGeom>
+            <a:noFill/>
+            <a:ln w="38100">
+              <a:solidFill>
+                <a:schemeClr val="tx1"/>
+              </a:solidFill>
+              <a:headEnd type="triangle" w="lg" len="lg"/>
+              <a:tailEnd type="triangle" w="lg" len="lg"/>
+            </a:ln>
+          </p:spPr>
+          <p:style>
+            <a:lnRef idx="1">
+              <a:schemeClr val="accent1"/>
+            </a:lnRef>
+            <a:fillRef idx="0">
+              <a:schemeClr val="accent1"/>
+            </a:fillRef>
+            <a:effectRef idx="0">
+              <a:schemeClr val="accent1"/>
+            </a:effectRef>
+            <a:fontRef idx="minor">
+              <a:schemeClr val="tx1"/>
+            </a:fontRef>
+          </p:style>
+          <p:txBody>
+            <a:bodyPr rtlCol="0" anchor="ctr"/>
+            <a:lstStyle/>
+            <a:p>
+              <a:pPr algn="ctr"/>
+              <a:endParaRPr lang="en-GB" sz="1400"/>
+            </a:p>
+          </p:txBody>
+        </p:sp>
+        <p:sp>
+          <p:nvSpPr>
+            <p:cNvPr id="87" name="TextBox 86">
+              <a:extLst>
+                <a:ext uri="{FF2B5EF4-FFF2-40B4-BE49-F238E27FC236}">
+                  <a16:creationId xmlns:a16="http://schemas.microsoft.com/office/drawing/2014/main" id="{0BFF351A-8B7F-4580-A65E-AA75035EC0E2}"/>
+                </a:ext>
+              </a:extLst>
+            </p:cNvPr>
+            <p:cNvSpPr txBox="1"/>
+            <p:nvPr/>
+          </p:nvSpPr>
+          <p:spPr>
+            <a:xfrm>
+              <a:off x="913180" y="4428424"/>
+              <a:ext cx="721895" cy="434265"/>
+            </a:xfrm>
+            <a:prstGeom prst="rect">
+              <a:avLst/>
+            </a:prstGeom>
+            <a:noFill/>
+          </p:spPr>
+          <p:txBody>
+            <a:bodyPr wrap="square" rtlCol="0">
+              <a:spAutoFit/>
+            </a:bodyPr>
+            <a:lstStyle/>
+            <a:p>
+              <a:r>
+                <a:rPr lang="en-GB" sz="1400" dirty="0"/>
+                <a:t>u</a:t>
+              </a:r>
+              <a:r>
+                <a:rPr lang="en-GB" sz="1400" baseline="-25000" dirty="0"/>
+                <a:t>y1</a:t>
+              </a:r>
+              <a:endParaRPr lang="en-GB" sz="1400" dirty="0"/>
+            </a:p>
+          </p:txBody>
+        </p:sp>
+        <p:sp>
+          <p:nvSpPr>
+            <p:cNvPr id="88" name="TextBox 87">
+              <a:extLst>
+                <a:ext uri="{FF2B5EF4-FFF2-40B4-BE49-F238E27FC236}">
+                  <a16:creationId xmlns:a16="http://schemas.microsoft.com/office/drawing/2014/main" id="{78A01F7A-74A1-4988-9A0A-D82DCFCAFD2D}"/>
+                </a:ext>
+              </a:extLst>
+            </p:cNvPr>
+            <p:cNvSpPr txBox="1"/>
+            <p:nvPr/>
+          </p:nvSpPr>
+          <p:spPr>
+            <a:xfrm>
+              <a:off x="2506215" y="4420849"/>
+              <a:ext cx="721895" cy="434265"/>
+            </a:xfrm>
+            <a:prstGeom prst="rect">
+              <a:avLst/>
+            </a:prstGeom>
+            <a:noFill/>
+          </p:spPr>
+          <p:txBody>
+            <a:bodyPr wrap="square" rtlCol="0">
+              <a:spAutoFit/>
+            </a:bodyPr>
+            <a:lstStyle/>
+            <a:p>
+              <a:r>
+                <a:rPr lang="en-GB" sz="1400" dirty="0"/>
+                <a:t>u</a:t>
+              </a:r>
+              <a:r>
+                <a:rPr lang="en-GB" sz="1400" baseline="-25000" dirty="0"/>
+                <a:t>y2</a:t>
+              </a:r>
+              <a:endParaRPr lang="en-GB" sz="1400" dirty="0"/>
+            </a:p>
+          </p:txBody>
+        </p:sp>
+        <p:sp>
+          <p:nvSpPr>
+            <p:cNvPr id="89" name="TextBox 88">
+              <a:extLst>
+                <a:ext uri="{FF2B5EF4-FFF2-40B4-BE49-F238E27FC236}">
+                  <a16:creationId xmlns:a16="http://schemas.microsoft.com/office/drawing/2014/main" id="{C8AFB2D8-6FA4-42CD-9F2B-FAEA8C4D714D}"/>
+                </a:ext>
+              </a:extLst>
+            </p:cNvPr>
+            <p:cNvSpPr txBox="1"/>
+            <p:nvPr/>
+          </p:nvSpPr>
+          <p:spPr>
+            <a:xfrm>
+              <a:off x="3986842" y="4416331"/>
+              <a:ext cx="721895" cy="434265"/>
+            </a:xfrm>
+            <a:prstGeom prst="rect">
+              <a:avLst/>
+            </a:prstGeom>
+            <a:noFill/>
+          </p:spPr>
+          <p:txBody>
+            <a:bodyPr wrap="square" rtlCol="0">
+              <a:spAutoFit/>
+            </a:bodyPr>
+            <a:lstStyle/>
+            <a:p>
+              <a:r>
+                <a:rPr lang="en-GB" sz="1400" dirty="0"/>
+                <a:t>u</a:t>
+              </a:r>
+              <a:r>
+                <a:rPr lang="en-GB" sz="1400" baseline="-25000" dirty="0"/>
+                <a:t>y3</a:t>
+              </a:r>
+              <a:endParaRPr lang="en-GB" sz="1400" dirty="0"/>
+            </a:p>
+          </p:txBody>
+        </p:sp>
+        <p:sp>
+          <p:nvSpPr>
+            <p:cNvPr id="103" name="Rectangle 102">
+              <a:extLst>
+                <a:ext uri="{FF2B5EF4-FFF2-40B4-BE49-F238E27FC236}">
+                  <a16:creationId xmlns:a16="http://schemas.microsoft.com/office/drawing/2014/main" id="{6E96D7AE-3114-4CA7-BD7C-C81F8B1226BA}"/>
+                </a:ext>
+              </a:extLst>
+            </p:cNvPr>
+            <p:cNvSpPr/>
+            <p:nvPr/>
+          </p:nvSpPr>
+          <p:spPr>
+            <a:xfrm>
+              <a:off x="5333316" y="3076074"/>
+              <a:ext cx="721895" cy="705852"/>
+            </a:xfrm>
+            <a:prstGeom prst="rect">
+              <a:avLst/>
+            </a:prstGeom>
+            <a:noFill/>
+            <a:ln>
+              <a:solidFill>
+                <a:schemeClr val="tx1"/>
+              </a:solidFill>
+            </a:ln>
+          </p:spPr>
+          <p:style>
+            <a:lnRef idx="2">
+              <a:schemeClr val="accent1">
+                <a:shade val="50000"/>
+              </a:schemeClr>
+            </a:lnRef>
+            <a:fillRef idx="1">
+              <a:schemeClr val="accent1"/>
+            </a:fillRef>
+            <a:effectRef idx="0">
+              <a:schemeClr val="accent1"/>
+            </a:effectRef>
+            <a:fontRef idx="minor">
+              <a:schemeClr val="lt1"/>
+            </a:fontRef>
+          </p:style>
+          <p:txBody>
+            <a:bodyPr rtlCol="0" anchor="ctr"/>
+            <a:lstStyle/>
+            <a:p>
+              <a:pPr algn="ctr"/>
+              <a:r>
+                <a:rPr lang="en-GB" sz="1400" dirty="0">
+                  <a:solidFill>
+                    <a:schemeClr val="tx1"/>
+                  </a:solidFill>
+                </a:rPr>
+                <a:t>Y4</a:t>
+              </a:r>
+            </a:p>
+          </p:txBody>
+        </p:sp>
+        <p:sp>
+          <p:nvSpPr>
+            <p:cNvPr id="104" name="Arc 103">
+              <a:extLst>
+                <a:ext uri="{FF2B5EF4-FFF2-40B4-BE49-F238E27FC236}">
+                  <a16:creationId xmlns:a16="http://schemas.microsoft.com/office/drawing/2014/main" id="{C88199AF-3BD6-4F0B-9084-409882704445}"/>
+                </a:ext>
+              </a:extLst>
+            </p:cNvPr>
+            <p:cNvSpPr/>
+            <p:nvPr/>
+          </p:nvSpPr>
+          <p:spPr>
+            <a:xfrm rot="1003916">
+              <a:off x="5333315" y="3799452"/>
+              <a:ext cx="721895" cy="705852"/>
+            </a:xfrm>
+            <a:prstGeom prst="arc">
+              <a:avLst>
+                <a:gd name="adj1" fmla="val 16200000"/>
+                <a:gd name="adj2" fmla="val 13932934"/>
+              </a:avLst>
+            </a:prstGeom>
+            <a:noFill/>
+            <a:ln w="38100">
+              <a:solidFill>
+                <a:schemeClr val="tx1"/>
+              </a:solidFill>
+              <a:headEnd type="triangle" w="lg" len="lg"/>
+              <a:tailEnd type="triangle" w="lg" len="lg"/>
+            </a:ln>
+          </p:spPr>
+          <p:style>
+            <a:lnRef idx="1">
+              <a:schemeClr val="accent1"/>
+            </a:lnRef>
+            <a:fillRef idx="0">
+              <a:schemeClr val="accent1"/>
+            </a:fillRef>
+            <a:effectRef idx="0">
+              <a:schemeClr val="accent1"/>
+            </a:effectRef>
+            <a:fontRef idx="minor">
+              <a:schemeClr val="tx1"/>
+            </a:fontRef>
+          </p:style>
+          <p:txBody>
+            <a:bodyPr rtlCol="0" anchor="ctr"/>
+            <a:lstStyle/>
+            <a:p>
+              <a:pPr algn="ctr"/>
+              <a:endParaRPr lang="en-GB" sz="1400"/>
+            </a:p>
+          </p:txBody>
+        </p:sp>
+        <p:sp>
+          <p:nvSpPr>
+            <p:cNvPr id="105" name="TextBox 104">
+              <a:extLst>
+                <a:ext uri="{FF2B5EF4-FFF2-40B4-BE49-F238E27FC236}">
+                  <a16:creationId xmlns:a16="http://schemas.microsoft.com/office/drawing/2014/main" id="{9FF7F5B6-FCBA-4E96-BE94-0796EC7C72DC}"/>
+                </a:ext>
+              </a:extLst>
+            </p:cNvPr>
+            <p:cNvSpPr txBox="1"/>
+            <p:nvPr/>
+          </p:nvSpPr>
+          <p:spPr>
+            <a:xfrm>
+              <a:off x="5467467" y="4416331"/>
+              <a:ext cx="721895" cy="434265"/>
+            </a:xfrm>
+            <a:prstGeom prst="rect">
+              <a:avLst/>
+            </a:prstGeom>
+            <a:noFill/>
+          </p:spPr>
+          <p:txBody>
+            <a:bodyPr wrap="square" rtlCol="0">
+              <a:spAutoFit/>
+            </a:bodyPr>
+            <a:lstStyle/>
+            <a:p>
+              <a:r>
+                <a:rPr lang="en-GB" sz="1400" dirty="0"/>
+                <a:t>u</a:t>
+              </a:r>
+              <a:r>
+                <a:rPr lang="en-GB" sz="1400" baseline="-25000" dirty="0"/>
+                <a:t>y4</a:t>
+              </a:r>
+              <a:endParaRPr lang="en-GB" sz="1400" dirty="0"/>
+            </a:p>
+          </p:txBody>
+        </p:sp>
+        <p:cxnSp>
+          <p:nvCxnSpPr>
+            <p:cNvPr id="3" name="Connector: Curved 2">
+              <a:extLst>
+                <a:ext uri="{FF2B5EF4-FFF2-40B4-BE49-F238E27FC236}">
+                  <a16:creationId xmlns:a16="http://schemas.microsoft.com/office/drawing/2014/main" id="{E7973318-829A-4E04-9456-F7788A22AC5B}"/>
+                </a:ext>
+              </a:extLst>
+            </p:cNvPr>
+            <p:cNvCxnSpPr>
+              <a:cxnSpLocks/>
+              <a:stCxn id="65" idx="0"/>
+              <a:endCxn id="66" idx="0"/>
+            </p:cNvCxnSpPr>
+            <p:nvPr/>
+          </p:nvCxnSpPr>
+          <p:spPr>
+            <a:xfrm rot="5400000" flipH="1" flipV="1">
+              <a:off x="1906771" y="2314413"/>
+              <a:ext cx="12700" cy="1523322"/>
+            </a:xfrm>
+            <a:prstGeom prst="curvedConnector3">
+              <a:avLst>
+                <a:gd name="adj1" fmla="val 1800000"/>
+              </a:avLst>
+            </a:prstGeom>
+            <a:ln w="38100">
+              <a:solidFill>
+                <a:schemeClr val="tx1"/>
+              </a:solidFill>
+              <a:headEnd type="triangle" w="lg" len="lg"/>
+              <a:tailEnd type="triangle" w="lg" len="lg"/>
+            </a:ln>
+          </p:spPr>
+          <p:style>
+            <a:lnRef idx="1">
+              <a:schemeClr val="accent1"/>
+            </a:lnRef>
+            <a:fillRef idx="0">
+              <a:schemeClr val="accent1"/>
+            </a:fillRef>
+            <a:effectRef idx="0">
+              <a:schemeClr val="accent1"/>
+            </a:effectRef>
+            <a:fontRef idx="minor">
+              <a:schemeClr val="tx1"/>
+            </a:fontRef>
+          </p:style>
+        </p:cxnSp>
+        <p:cxnSp>
+          <p:nvCxnSpPr>
+            <p:cNvPr id="6" name="Connector: Curved 5">
+              <a:extLst>
+                <a:ext uri="{FF2B5EF4-FFF2-40B4-BE49-F238E27FC236}">
+                  <a16:creationId xmlns:a16="http://schemas.microsoft.com/office/drawing/2014/main" id="{0F8DF127-6FCA-403C-B820-3BF50B3F0154}"/>
+                </a:ext>
+              </a:extLst>
+            </p:cNvPr>
+            <p:cNvCxnSpPr>
+              <a:stCxn id="65" idx="0"/>
+              <a:endCxn id="85" idx="0"/>
+            </p:cNvCxnSpPr>
+            <p:nvPr/>
+          </p:nvCxnSpPr>
+          <p:spPr>
+            <a:xfrm rot="5400000" flipH="1" flipV="1">
+              <a:off x="2679374" y="1541810"/>
+              <a:ext cx="12700" cy="3068528"/>
+            </a:xfrm>
+            <a:prstGeom prst="curvedConnector3">
+              <a:avLst>
+                <a:gd name="adj1" fmla="val 5210528"/>
+              </a:avLst>
+            </a:prstGeom>
+            <a:ln w="38100">
+              <a:solidFill>
+                <a:schemeClr val="tx1"/>
+              </a:solidFill>
+              <a:headEnd type="triangle" w="lg" len="lg"/>
+              <a:tailEnd type="triangle" w="lg" len="lg"/>
+            </a:ln>
+          </p:spPr>
+          <p:style>
+            <a:lnRef idx="1">
+              <a:schemeClr val="accent1"/>
+            </a:lnRef>
+            <a:fillRef idx="0">
+              <a:schemeClr val="accent1"/>
+            </a:fillRef>
+            <a:effectRef idx="0">
+              <a:schemeClr val="accent1"/>
+            </a:effectRef>
+            <a:fontRef idx="minor">
+              <a:schemeClr val="tx1"/>
+            </a:fontRef>
+          </p:style>
+        </p:cxnSp>
+        <p:cxnSp>
+          <p:nvCxnSpPr>
+            <p:cNvPr id="8" name="Connector: Curved 7">
+              <a:extLst>
+                <a:ext uri="{FF2B5EF4-FFF2-40B4-BE49-F238E27FC236}">
+                  <a16:creationId xmlns:a16="http://schemas.microsoft.com/office/drawing/2014/main" id="{02B57284-F137-4E7C-A245-8DD58F37957B}"/>
+                </a:ext>
+              </a:extLst>
+            </p:cNvPr>
+            <p:cNvCxnSpPr>
+              <a:stCxn id="65" idx="0"/>
+              <a:endCxn id="103" idx="0"/>
+            </p:cNvCxnSpPr>
+            <p:nvPr/>
+          </p:nvCxnSpPr>
+          <p:spPr>
+            <a:xfrm rot="5400000" flipH="1" flipV="1">
+              <a:off x="3419687" y="801497"/>
+              <a:ext cx="12700" cy="4549154"/>
+            </a:xfrm>
+            <a:prstGeom prst="curvedConnector3">
+              <a:avLst>
+                <a:gd name="adj1" fmla="val 10642102"/>
+              </a:avLst>
+            </a:prstGeom>
+            <a:ln w="38100">
+              <a:solidFill>
+                <a:schemeClr val="tx1"/>
+              </a:solidFill>
+              <a:headEnd type="triangle" w="lg" len="lg"/>
+              <a:tailEnd type="triangle" w="lg" len="lg"/>
+            </a:ln>
+          </p:spPr>
+          <p:style>
+            <a:lnRef idx="1">
+              <a:schemeClr val="accent1"/>
+            </a:lnRef>
+            <a:fillRef idx="0">
+              <a:schemeClr val="accent1"/>
+            </a:fillRef>
+            <a:effectRef idx="0">
+              <a:schemeClr val="accent1"/>
+            </a:effectRef>
+            <a:fontRef idx="minor">
+              <a:schemeClr val="tx1"/>
+            </a:fontRef>
+          </p:style>
+        </p:cxnSp>
+        <p:cxnSp>
+          <p:nvCxnSpPr>
+            <p:cNvPr id="10" name="Connector: Curved 9">
+              <a:extLst>
+                <a:ext uri="{FF2B5EF4-FFF2-40B4-BE49-F238E27FC236}">
+                  <a16:creationId xmlns:a16="http://schemas.microsoft.com/office/drawing/2014/main" id="{AEB32857-7F9A-4BAB-9D36-0F6D4FCE2057}"/>
+                </a:ext>
+              </a:extLst>
+            </p:cNvPr>
+            <p:cNvCxnSpPr>
+              <a:stCxn id="66" idx="0"/>
+              <a:endCxn id="85" idx="0"/>
+            </p:cNvCxnSpPr>
+            <p:nvPr/>
+          </p:nvCxnSpPr>
+          <p:spPr>
+            <a:xfrm rot="5400000" flipH="1" flipV="1">
+              <a:off x="3441035" y="2303471"/>
+              <a:ext cx="12700" cy="1545206"/>
+            </a:xfrm>
+            <a:prstGeom prst="curvedConnector3">
+              <a:avLst>
+                <a:gd name="adj1" fmla="val 1800000"/>
+              </a:avLst>
+            </a:prstGeom>
+            <a:ln w="38100">
+              <a:solidFill>
+                <a:schemeClr val="tx1"/>
+              </a:solidFill>
+              <a:headEnd type="triangle" w="lg" len="lg"/>
+              <a:tailEnd type="triangle" w="lg" len="lg"/>
+            </a:ln>
+          </p:spPr>
+          <p:style>
+            <a:lnRef idx="1">
+              <a:schemeClr val="accent1"/>
+            </a:lnRef>
+            <a:fillRef idx="0">
+              <a:schemeClr val="accent1"/>
+            </a:fillRef>
+            <a:effectRef idx="0">
+              <a:schemeClr val="accent1"/>
+            </a:effectRef>
+            <a:fontRef idx="minor">
+              <a:schemeClr val="tx1"/>
+            </a:fontRef>
+          </p:style>
+        </p:cxnSp>
+        <p:cxnSp>
+          <p:nvCxnSpPr>
+            <p:cNvPr id="12" name="Connector: Curved 11">
+              <a:extLst>
+                <a:ext uri="{FF2B5EF4-FFF2-40B4-BE49-F238E27FC236}">
+                  <a16:creationId xmlns:a16="http://schemas.microsoft.com/office/drawing/2014/main" id="{62ECA28C-C73A-4265-B51C-A05A2D1D3952}"/>
+                </a:ext>
+              </a:extLst>
+            </p:cNvPr>
+            <p:cNvCxnSpPr>
+              <a:stCxn id="85" idx="0"/>
+              <a:endCxn id="103" idx="0"/>
+            </p:cNvCxnSpPr>
+            <p:nvPr/>
+          </p:nvCxnSpPr>
+          <p:spPr>
+            <a:xfrm rot="5400000" flipH="1" flipV="1">
+              <a:off x="4953951" y="2335761"/>
+              <a:ext cx="12700" cy="1480626"/>
+            </a:xfrm>
+            <a:prstGeom prst="curvedConnector3">
+              <a:avLst>
+                <a:gd name="adj1" fmla="val 1800000"/>
+              </a:avLst>
+            </a:prstGeom>
+            <a:ln w="38100">
+              <a:solidFill>
+                <a:schemeClr val="tx1"/>
+              </a:solidFill>
+              <a:headEnd type="triangle" w="lg" len="lg"/>
+              <a:tailEnd type="triangle" w="lg" len="lg"/>
+            </a:ln>
+          </p:spPr>
+          <p:style>
+            <a:lnRef idx="1">
+              <a:schemeClr val="accent1"/>
+            </a:lnRef>
+            <a:fillRef idx="0">
+              <a:schemeClr val="accent1"/>
+            </a:fillRef>
+            <a:effectRef idx="0">
+              <a:schemeClr val="accent1"/>
+            </a:effectRef>
+            <a:fontRef idx="minor">
+              <a:schemeClr val="tx1"/>
+            </a:fontRef>
+          </p:style>
+        </p:cxnSp>
+        <p:cxnSp>
+          <p:nvCxnSpPr>
+            <p:cNvPr id="16" name="Connector: Curved 15">
+              <a:extLst>
+                <a:ext uri="{FF2B5EF4-FFF2-40B4-BE49-F238E27FC236}">
+                  <a16:creationId xmlns:a16="http://schemas.microsoft.com/office/drawing/2014/main" id="{E0294D74-C8CE-429B-A349-B4D5CBF4886A}"/>
+                </a:ext>
+              </a:extLst>
+            </p:cNvPr>
+            <p:cNvCxnSpPr>
+              <a:stCxn id="66" idx="0"/>
+              <a:endCxn id="103" idx="0"/>
+            </p:cNvCxnSpPr>
+            <p:nvPr/>
+          </p:nvCxnSpPr>
+          <p:spPr>
+            <a:xfrm rot="5400000" flipH="1" flipV="1">
+              <a:off x="4181348" y="1563158"/>
+              <a:ext cx="12700" cy="3025832"/>
+            </a:xfrm>
+            <a:prstGeom prst="curvedConnector3">
+              <a:avLst>
+                <a:gd name="adj1" fmla="val 5210528"/>
+              </a:avLst>
+            </a:prstGeom>
+            <a:ln w="38100">
+              <a:solidFill>
+                <a:schemeClr val="tx1"/>
+              </a:solidFill>
+              <a:headEnd type="triangle" w="lg" len="lg"/>
+              <a:tailEnd type="triangle" w="lg" len="lg"/>
+            </a:ln>
+          </p:spPr>
+          <p:style>
+            <a:lnRef idx="1">
+              <a:schemeClr val="accent1"/>
+            </a:lnRef>
+            <a:fillRef idx="0">
+              <a:schemeClr val="accent1"/>
+            </a:fillRef>
+            <a:effectRef idx="0">
+              <a:schemeClr val="accent1"/>
+            </a:effectRef>
+            <a:fontRef idx="minor">
+              <a:schemeClr val="tx1"/>
+            </a:fontRef>
+          </p:style>
+        </p:cxnSp>
+        <p:sp>
+          <p:nvSpPr>
+            <p:cNvPr id="24" name="TextBox 23">
+              <a:extLst>
+                <a:ext uri="{FF2B5EF4-FFF2-40B4-BE49-F238E27FC236}">
+                  <a16:creationId xmlns:a16="http://schemas.microsoft.com/office/drawing/2014/main" id="{33880F75-8FE5-4272-B9C5-B43D4A5EB1FB}"/>
+                </a:ext>
+              </a:extLst>
+            </p:cNvPr>
+            <p:cNvSpPr txBox="1"/>
+            <p:nvPr/>
+          </p:nvSpPr>
+          <p:spPr>
+            <a:xfrm>
+              <a:off x="913180" y="1319322"/>
+              <a:ext cx="4890188" cy="3474114"/>
+            </a:xfrm>
+            <a:prstGeom prst="rect">
+              <a:avLst/>
+            </a:prstGeom>
+            <a:noFill/>
+          </p:spPr>
+          <p:txBody>
+            <a:bodyPr wrap="square" rtlCol="0">
+              <a:spAutoFit/>
+            </a:bodyPr>
+            <a:lstStyle/>
+            <a:p>
+              <a:pPr algn="ctr"/>
+              <a:r>
+                <a:rPr lang="en-GB" sz="1400" dirty="0"/>
+                <a:t>	a	</a:t>
+              </a:r>
+            </a:p>
+            <a:p>
+              <a:pPr algn="ctr"/>
+              <a:endParaRPr lang="en-GB" sz="1400" dirty="0"/>
+            </a:p>
+            <a:p>
+              <a:pPr algn="ctr"/>
+              <a:r>
+                <a:rPr lang="en-GB" sz="1400" dirty="0"/>
+                <a:t>b                      c</a:t>
+              </a:r>
+            </a:p>
+            <a:p>
+              <a:pPr algn="ctr"/>
+              <a:endParaRPr lang="en-GB" sz="1400" dirty="0"/>
+            </a:p>
+            <a:p>
+              <a:pPr algn="ctr"/>
+              <a:r>
+                <a:rPr lang="en-GB" sz="1400" dirty="0"/>
+                <a:t>d                    e                    f</a:t>
+              </a:r>
+            </a:p>
+            <a:p>
+              <a:pPr algn="ctr"/>
+              <a:endParaRPr lang="en-GB" sz="1400" dirty="0"/>
+            </a:p>
+            <a:p>
+              <a:pPr algn="ctr"/>
+              <a:endParaRPr lang="en-GB" sz="1400" dirty="0"/>
+            </a:p>
+            <a:p>
+              <a:pPr algn="ctr"/>
+              <a:endParaRPr lang="en-GB" sz="1400" dirty="0"/>
+            </a:p>
+            <a:p>
+              <a:pPr algn="ctr"/>
+              <a:endParaRPr lang="en-GB" sz="1400" dirty="0"/>
+            </a:p>
+            <a:p>
+              <a:pPr algn="ctr"/>
+              <a:endParaRPr lang="en-GB" sz="1400" dirty="0"/>
+            </a:p>
+            <a:p>
+              <a:pPr algn="ctr"/>
+              <a:endParaRPr lang="en-GB" sz="1400" dirty="0"/>
+            </a:p>
+          </p:txBody>
+        </p:sp>
+      </p:grpSp>
+      <p:grpSp>
+        <p:nvGrpSpPr>
+          <p:cNvPr id="2" name="Group 1">
+            <a:extLst>
+              <a:ext uri="{FF2B5EF4-FFF2-40B4-BE49-F238E27FC236}">
+                <a16:creationId xmlns:a16="http://schemas.microsoft.com/office/drawing/2014/main" id="{F86122B4-40D0-4D67-959E-A4C3C7F234E8}"/>
+              </a:ext>
+            </a:extLst>
+          </p:cNvPr>
+          <p:cNvGrpSpPr/>
+          <p:nvPr/>
+        </p:nvGrpSpPr>
+        <p:grpSpPr>
+          <a:xfrm>
+            <a:off x="63442" y="3496639"/>
+            <a:ext cx="3804676" cy="1266230"/>
+            <a:chOff x="6668496" y="299008"/>
+            <a:chExt cx="5405200" cy="1786616"/>
+          </a:xfrm>
+        </p:grpSpPr>
+        <p:sp>
+          <p:nvSpPr>
+            <p:cNvPr id="26" name="Arc 25">
+              <a:extLst>
+                <a:ext uri="{FF2B5EF4-FFF2-40B4-BE49-F238E27FC236}">
+                  <a16:creationId xmlns:a16="http://schemas.microsoft.com/office/drawing/2014/main" id="{A38CC1A6-12E8-4C32-86DB-D4D789450C92}"/>
+                </a:ext>
+              </a:extLst>
+            </p:cNvPr>
+            <p:cNvSpPr/>
+            <p:nvPr/>
+          </p:nvSpPr>
+          <p:spPr>
+            <a:xfrm rot="1003916">
+              <a:off x="6700582" y="1013623"/>
+              <a:ext cx="721895" cy="705852"/>
+            </a:xfrm>
+            <a:prstGeom prst="arc">
+              <a:avLst>
+                <a:gd name="adj1" fmla="val 16200000"/>
+                <a:gd name="adj2" fmla="val 13932934"/>
+              </a:avLst>
+            </a:prstGeom>
+            <a:noFill/>
+            <a:ln w="38100">
+              <a:solidFill>
+                <a:schemeClr val="tx1"/>
+              </a:solidFill>
+              <a:headEnd type="triangle" w="lg" len="lg"/>
+              <a:tailEnd type="triangle" w="lg" len="lg"/>
+            </a:ln>
+          </p:spPr>
+          <p:style>
+            <a:lnRef idx="1">
+              <a:schemeClr val="accent1"/>
+            </a:lnRef>
+            <a:fillRef idx="0">
+              <a:schemeClr val="accent1"/>
+            </a:fillRef>
+            <a:effectRef idx="0">
+              <a:schemeClr val="accent1"/>
+            </a:effectRef>
+            <a:fontRef idx="minor">
+              <a:schemeClr val="tx1"/>
+            </a:fontRef>
+          </p:style>
+          <p:txBody>
+            <a:bodyPr rtlCol="0" anchor="ctr"/>
+            <a:lstStyle/>
+            <a:p>
+              <a:pPr algn="ctr"/>
+              <a:endParaRPr lang="en-GB" sz="1400" dirty="0"/>
+            </a:p>
+          </p:txBody>
+        </p:sp>
+        <p:sp>
+          <p:nvSpPr>
+            <p:cNvPr id="27" name="Rectangle 26">
+              <a:extLst>
+                <a:ext uri="{FF2B5EF4-FFF2-40B4-BE49-F238E27FC236}">
+                  <a16:creationId xmlns:a16="http://schemas.microsoft.com/office/drawing/2014/main" id="{818D6381-65CC-41A9-8D1A-7F82A05F494E}"/>
+                </a:ext>
+              </a:extLst>
+            </p:cNvPr>
+            <p:cNvSpPr/>
+            <p:nvPr/>
+          </p:nvSpPr>
+          <p:spPr>
+            <a:xfrm>
+              <a:off x="6668496" y="299008"/>
+              <a:ext cx="721895" cy="705852"/>
+            </a:xfrm>
+            <a:prstGeom prst="rect">
+              <a:avLst/>
+            </a:prstGeom>
+            <a:noFill/>
+            <a:ln>
+              <a:solidFill>
+                <a:schemeClr val="tx1"/>
+              </a:solidFill>
+            </a:ln>
+          </p:spPr>
+          <p:style>
+            <a:lnRef idx="2">
+              <a:schemeClr val="accent1">
+                <a:shade val="50000"/>
+              </a:schemeClr>
+            </a:lnRef>
+            <a:fillRef idx="1">
+              <a:schemeClr val="accent1"/>
+            </a:fillRef>
+            <a:effectRef idx="0">
+              <a:schemeClr val="accent1"/>
+            </a:effectRef>
+            <a:fontRef idx="minor">
+              <a:schemeClr val="lt1"/>
+            </a:fontRef>
+          </p:style>
+          <p:txBody>
+            <a:bodyPr rtlCol="0" anchor="ctr"/>
+            <a:lstStyle/>
+            <a:p>
+              <a:pPr algn="ctr"/>
+              <a:r>
+                <a:rPr lang="en-GB" sz="1400" dirty="0">
+                  <a:solidFill>
+                    <a:schemeClr val="tx1"/>
+                  </a:solidFill>
+                </a:rPr>
+                <a:t>Y1</a:t>
+              </a:r>
+            </a:p>
+          </p:txBody>
+        </p:sp>
+        <p:sp>
+          <p:nvSpPr>
+            <p:cNvPr id="28" name="Rectangle 27">
+              <a:extLst>
+                <a:ext uri="{FF2B5EF4-FFF2-40B4-BE49-F238E27FC236}">
+                  <a16:creationId xmlns:a16="http://schemas.microsoft.com/office/drawing/2014/main" id="{9C413B95-EA16-48C7-B947-3E59CFE1DA1E}"/>
+                </a:ext>
+              </a:extLst>
+            </p:cNvPr>
+            <p:cNvSpPr/>
+            <p:nvPr/>
+          </p:nvSpPr>
+          <p:spPr>
+            <a:xfrm>
+              <a:off x="8191818" y="299008"/>
+              <a:ext cx="721895" cy="705852"/>
+            </a:xfrm>
+            <a:prstGeom prst="rect">
+              <a:avLst/>
+            </a:prstGeom>
+            <a:noFill/>
+            <a:ln>
+              <a:solidFill>
+                <a:schemeClr val="tx1"/>
+              </a:solidFill>
+            </a:ln>
+          </p:spPr>
+          <p:style>
+            <a:lnRef idx="2">
+              <a:schemeClr val="accent1">
+                <a:shade val="50000"/>
+              </a:schemeClr>
+            </a:lnRef>
+            <a:fillRef idx="1">
+              <a:schemeClr val="accent1"/>
+            </a:fillRef>
+            <a:effectRef idx="0">
+              <a:schemeClr val="accent1"/>
+            </a:effectRef>
+            <a:fontRef idx="minor">
+              <a:schemeClr val="lt1"/>
+            </a:fontRef>
+          </p:style>
+          <p:txBody>
+            <a:bodyPr rtlCol="0" anchor="ctr"/>
+            <a:lstStyle/>
+            <a:p>
+              <a:pPr algn="ctr"/>
+              <a:r>
+                <a:rPr lang="en-GB" sz="1400" dirty="0">
+                  <a:solidFill>
+                    <a:schemeClr val="tx1"/>
+                  </a:solidFill>
+                </a:rPr>
+                <a:t>Y2</a:t>
+              </a:r>
+            </a:p>
+          </p:txBody>
+        </p:sp>
+        <p:sp>
+          <p:nvSpPr>
+            <p:cNvPr id="29" name="Arc 28">
+              <a:extLst>
+                <a:ext uri="{FF2B5EF4-FFF2-40B4-BE49-F238E27FC236}">
+                  <a16:creationId xmlns:a16="http://schemas.microsoft.com/office/drawing/2014/main" id="{187CF463-13EE-4CC9-AF3E-2CB073DA4046}"/>
+                </a:ext>
+              </a:extLst>
+            </p:cNvPr>
+            <p:cNvSpPr/>
+            <p:nvPr/>
+          </p:nvSpPr>
+          <p:spPr>
+            <a:xfrm rot="1003916">
+              <a:off x="8191817" y="1022386"/>
+              <a:ext cx="721895" cy="705852"/>
+            </a:xfrm>
+            <a:prstGeom prst="arc">
+              <a:avLst>
+                <a:gd name="adj1" fmla="val 16200000"/>
+                <a:gd name="adj2" fmla="val 13932934"/>
+              </a:avLst>
+            </a:prstGeom>
+            <a:noFill/>
+            <a:ln w="38100">
+              <a:solidFill>
+                <a:schemeClr val="tx1"/>
+              </a:solidFill>
+              <a:headEnd type="triangle" w="lg" len="lg"/>
+              <a:tailEnd type="triangle" w="lg" len="lg"/>
+            </a:ln>
+          </p:spPr>
+          <p:style>
+            <a:lnRef idx="1">
+              <a:schemeClr val="accent1"/>
+            </a:lnRef>
+            <a:fillRef idx="0">
+              <a:schemeClr val="accent1"/>
+            </a:fillRef>
+            <a:effectRef idx="0">
+              <a:schemeClr val="accent1"/>
+            </a:effectRef>
+            <a:fontRef idx="minor">
+              <a:schemeClr val="tx1"/>
+            </a:fontRef>
+          </p:style>
+          <p:txBody>
+            <a:bodyPr rtlCol="0" anchor="ctr"/>
+            <a:lstStyle/>
+            <a:p>
+              <a:pPr algn="ctr"/>
+              <a:endParaRPr lang="en-GB" sz="1400"/>
+            </a:p>
+          </p:txBody>
+        </p:sp>
+        <p:sp>
+          <p:nvSpPr>
+            <p:cNvPr id="30" name="Rectangle 29">
+              <a:extLst>
+                <a:ext uri="{FF2B5EF4-FFF2-40B4-BE49-F238E27FC236}">
+                  <a16:creationId xmlns:a16="http://schemas.microsoft.com/office/drawing/2014/main" id="{624AC2B3-D3F2-4F5A-8071-8DBEF6CCFA59}"/>
+                </a:ext>
+              </a:extLst>
+            </p:cNvPr>
+            <p:cNvSpPr/>
+            <p:nvPr/>
+          </p:nvSpPr>
+          <p:spPr>
+            <a:xfrm>
+              <a:off x="9737024" y="299008"/>
+              <a:ext cx="721895" cy="705852"/>
+            </a:xfrm>
+            <a:prstGeom prst="rect">
+              <a:avLst/>
+            </a:prstGeom>
+            <a:noFill/>
+            <a:ln>
+              <a:solidFill>
+                <a:schemeClr val="tx1"/>
+              </a:solidFill>
+            </a:ln>
+          </p:spPr>
+          <p:style>
+            <a:lnRef idx="2">
+              <a:schemeClr val="accent1">
+                <a:shade val="50000"/>
+              </a:schemeClr>
+            </a:lnRef>
+            <a:fillRef idx="1">
+              <a:schemeClr val="accent1"/>
+            </a:fillRef>
+            <a:effectRef idx="0">
+              <a:schemeClr val="accent1"/>
+            </a:effectRef>
+            <a:fontRef idx="minor">
+              <a:schemeClr val="lt1"/>
+            </a:fontRef>
+          </p:style>
+          <p:txBody>
+            <a:bodyPr rtlCol="0" anchor="ctr"/>
+            <a:lstStyle/>
+            <a:p>
+              <a:pPr algn="ctr"/>
+              <a:r>
+                <a:rPr lang="en-GB" sz="1400" dirty="0">
+                  <a:solidFill>
+                    <a:schemeClr val="tx1"/>
+                  </a:solidFill>
+                </a:rPr>
+                <a:t>Y3</a:t>
+              </a:r>
+            </a:p>
+          </p:txBody>
+        </p:sp>
+        <p:sp>
+          <p:nvSpPr>
+            <p:cNvPr id="31" name="Arc 30">
+              <a:extLst>
+                <a:ext uri="{FF2B5EF4-FFF2-40B4-BE49-F238E27FC236}">
+                  <a16:creationId xmlns:a16="http://schemas.microsoft.com/office/drawing/2014/main" id="{42F32EAD-BA67-49F1-86D2-F6A6F87369E3}"/>
+                </a:ext>
+              </a:extLst>
+            </p:cNvPr>
+            <p:cNvSpPr/>
+            <p:nvPr/>
+          </p:nvSpPr>
+          <p:spPr>
+            <a:xfrm rot="1003916">
+              <a:off x="9737023" y="1022386"/>
+              <a:ext cx="721895" cy="705852"/>
+            </a:xfrm>
+            <a:prstGeom prst="arc">
+              <a:avLst>
+                <a:gd name="adj1" fmla="val 16200000"/>
+                <a:gd name="adj2" fmla="val 13932934"/>
+              </a:avLst>
+            </a:prstGeom>
+            <a:noFill/>
+            <a:ln w="38100">
+              <a:solidFill>
+                <a:schemeClr val="tx1"/>
+              </a:solidFill>
+              <a:headEnd type="triangle" w="lg" len="lg"/>
+              <a:tailEnd type="triangle" w="lg" len="lg"/>
+            </a:ln>
+          </p:spPr>
+          <p:style>
+            <a:lnRef idx="1">
+              <a:schemeClr val="accent1"/>
+            </a:lnRef>
+            <a:fillRef idx="0">
+              <a:schemeClr val="accent1"/>
+            </a:fillRef>
+            <a:effectRef idx="0">
+              <a:schemeClr val="accent1"/>
+            </a:effectRef>
+            <a:fontRef idx="minor">
+              <a:schemeClr val="tx1"/>
+            </a:fontRef>
+          </p:style>
+          <p:txBody>
+            <a:bodyPr rtlCol="0" anchor="ctr"/>
+            <a:lstStyle/>
+            <a:p>
+              <a:pPr algn="ctr"/>
+              <a:endParaRPr lang="en-GB" sz="1400"/>
+            </a:p>
+          </p:txBody>
+        </p:sp>
+        <p:sp>
+          <p:nvSpPr>
+            <p:cNvPr id="32" name="TextBox 31">
+              <a:extLst>
+                <a:ext uri="{FF2B5EF4-FFF2-40B4-BE49-F238E27FC236}">
+                  <a16:creationId xmlns:a16="http://schemas.microsoft.com/office/drawing/2014/main" id="{363FD92D-7C85-49BA-AB49-07589722B54E}"/>
+                </a:ext>
+              </a:extLst>
+            </p:cNvPr>
+            <p:cNvSpPr txBox="1"/>
+            <p:nvPr/>
+          </p:nvSpPr>
+          <p:spPr>
+            <a:xfrm>
+              <a:off x="6797514" y="1651359"/>
+              <a:ext cx="721895" cy="434265"/>
+            </a:xfrm>
+            <a:prstGeom prst="rect">
+              <a:avLst/>
+            </a:prstGeom>
+            <a:noFill/>
+          </p:spPr>
+          <p:txBody>
+            <a:bodyPr wrap="square" rtlCol="0">
+              <a:spAutoFit/>
+            </a:bodyPr>
+            <a:lstStyle/>
+            <a:p>
+              <a:r>
+                <a:rPr lang="en-GB" sz="1400" dirty="0"/>
+                <a:t>u</a:t>
+              </a:r>
+              <a:r>
+                <a:rPr lang="en-GB" sz="1400" baseline="-25000" dirty="0"/>
+                <a:t>y1</a:t>
+              </a:r>
+              <a:endParaRPr lang="en-GB" sz="1400" dirty="0"/>
+            </a:p>
+          </p:txBody>
+        </p:sp>
+        <p:sp>
+          <p:nvSpPr>
+            <p:cNvPr id="33" name="TextBox 32">
+              <a:extLst>
+                <a:ext uri="{FF2B5EF4-FFF2-40B4-BE49-F238E27FC236}">
+                  <a16:creationId xmlns:a16="http://schemas.microsoft.com/office/drawing/2014/main" id="{50B48C40-E4F9-4CF4-BFE3-D99B11590844}"/>
+                </a:ext>
+              </a:extLst>
+            </p:cNvPr>
+            <p:cNvSpPr txBox="1"/>
+            <p:nvPr/>
+          </p:nvSpPr>
+          <p:spPr>
+            <a:xfrm>
+              <a:off x="8390549" y="1643783"/>
+              <a:ext cx="721895" cy="434265"/>
+            </a:xfrm>
+            <a:prstGeom prst="rect">
+              <a:avLst/>
+            </a:prstGeom>
+            <a:noFill/>
+          </p:spPr>
+          <p:txBody>
+            <a:bodyPr wrap="square" rtlCol="0">
+              <a:spAutoFit/>
+            </a:bodyPr>
+            <a:lstStyle/>
+            <a:p>
+              <a:r>
+                <a:rPr lang="en-GB" sz="1400" dirty="0"/>
+                <a:t>u</a:t>
+              </a:r>
+              <a:r>
+                <a:rPr lang="en-GB" sz="1400" baseline="-25000" dirty="0"/>
+                <a:t>y2</a:t>
+              </a:r>
+              <a:endParaRPr lang="en-GB" sz="1400" dirty="0"/>
+            </a:p>
+          </p:txBody>
+        </p:sp>
+        <p:sp>
+          <p:nvSpPr>
+            <p:cNvPr id="34" name="TextBox 33">
+              <a:extLst>
+                <a:ext uri="{FF2B5EF4-FFF2-40B4-BE49-F238E27FC236}">
+                  <a16:creationId xmlns:a16="http://schemas.microsoft.com/office/drawing/2014/main" id="{D1EA6572-C42C-4570-BCDD-39034C132D9E}"/>
+                </a:ext>
+              </a:extLst>
+            </p:cNvPr>
+            <p:cNvSpPr txBox="1"/>
+            <p:nvPr/>
+          </p:nvSpPr>
+          <p:spPr>
+            <a:xfrm>
+              <a:off x="9871176" y="1639265"/>
+              <a:ext cx="721895" cy="434265"/>
+            </a:xfrm>
+            <a:prstGeom prst="rect">
+              <a:avLst/>
+            </a:prstGeom>
+            <a:noFill/>
+          </p:spPr>
+          <p:txBody>
+            <a:bodyPr wrap="square" rtlCol="0">
+              <a:spAutoFit/>
+            </a:bodyPr>
+            <a:lstStyle/>
+            <a:p>
+              <a:r>
+                <a:rPr lang="en-GB" sz="1400" dirty="0"/>
+                <a:t>u</a:t>
+              </a:r>
+              <a:r>
+                <a:rPr lang="en-GB" sz="1400" baseline="-25000" dirty="0"/>
+                <a:t>y3</a:t>
+              </a:r>
+              <a:endParaRPr lang="en-GB" sz="1400" dirty="0"/>
+            </a:p>
+          </p:txBody>
+        </p:sp>
+        <p:sp>
+          <p:nvSpPr>
+            <p:cNvPr id="35" name="Rectangle 34">
+              <a:extLst>
+                <a:ext uri="{FF2B5EF4-FFF2-40B4-BE49-F238E27FC236}">
+                  <a16:creationId xmlns:a16="http://schemas.microsoft.com/office/drawing/2014/main" id="{FD06050C-B4A8-4048-ACAD-477DF3E4816D}"/>
+                </a:ext>
+              </a:extLst>
+            </p:cNvPr>
+            <p:cNvSpPr/>
+            <p:nvPr/>
+          </p:nvSpPr>
+          <p:spPr>
+            <a:xfrm>
+              <a:off x="11217650" y="299008"/>
+              <a:ext cx="721895" cy="705852"/>
+            </a:xfrm>
+            <a:prstGeom prst="rect">
+              <a:avLst/>
+            </a:prstGeom>
+            <a:noFill/>
+            <a:ln>
+              <a:solidFill>
+                <a:schemeClr val="tx1"/>
+              </a:solidFill>
+            </a:ln>
+          </p:spPr>
+          <p:style>
+            <a:lnRef idx="2">
+              <a:schemeClr val="accent1">
+                <a:shade val="50000"/>
+              </a:schemeClr>
+            </a:lnRef>
+            <a:fillRef idx="1">
+              <a:schemeClr val="accent1"/>
+            </a:fillRef>
+            <a:effectRef idx="0">
+              <a:schemeClr val="accent1"/>
+            </a:effectRef>
+            <a:fontRef idx="minor">
+              <a:schemeClr val="lt1"/>
+            </a:fontRef>
+          </p:style>
+          <p:txBody>
+            <a:bodyPr rtlCol="0" anchor="ctr"/>
+            <a:lstStyle/>
+            <a:p>
+              <a:pPr algn="ctr"/>
+              <a:r>
+                <a:rPr lang="en-GB" sz="1400" dirty="0">
+                  <a:solidFill>
+                    <a:schemeClr val="tx1"/>
+                  </a:solidFill>
+                </a:rPr>
+                <a:t>Y4</a:t>
+              </a:r>
+            </a:p>
+          </p:txBody>
+        </p:sp>
+        <p:sp>
+          <p:nvSpPr>
+            <p:cNvPr id="36" name="Arc 35">
+              <a:extLst>
+                <a:ext uri="{FF2B5EF4-FFF2-40B4-BE49-F238E27FC236}">
+                  <a16:creationId xmlns:a16="http://schemas.microsoft.com/office/drawing/2014/main" id="{4FBDAD9C-033A-4DDE-9CD8-9BF811C22298}"/>
+                </a:ext>
+              </a:extLst>
+            </p:cNvPr>
+            <p:cNvSpPr/>
+            <p:nvPr/>
+          </p:nvSpPr>
+          <p:spPr>
+            <a:xfrm rot="1003916">
+              <a:off x="11217649" y="1022386"/>
+              <a:ext cx="721895" cy="705852"/>
+            </a:xfrm>
+            <a:prstGeom prst="arc">
+              <a:avLst>
+                <a:gd name="adj1" fmla="val 16200000"/>
+                <a:gd name="adj2" fmla="val 13932934"/>
+              </a:avLst>
+            </a:prstGeom>
+            <a:noFill/>
+            <a:ln w="38100">
+              <a:solidFill>
+                <a:schemeClr val="tx1"/>
+              </a:solidFill>
+              <a:headEnd type="triangle" w="lg" len="lg"/>
+              <a:tailEnd type="triangle" w="lg" len="lg"/>
+            </a:ln>
+          </p:spPr>
+          <p:style>
+            <a:lnRef idx="1">
+              <a:schemeClr val="accent1"/>
+            </a:lnRef>
+            <a:fillRef idx="0">
+              <a:schemeClr val="accent1"/>
+            </a:fillRef>
+            <a:effectRef idx="0">
+              <a:schemeClr val="accent1"/>
+            </a:effectRef>
+            <a:fontRef idx="minor">
+              <a:schemeClr val="tx1"/>
+            </a:fontRef>
+          </p:style>
+          <p:txBody>
+            <a:bodyPr rtlCol="0" anchor="ctr"/>
+            <a:lstStyle/>
+            <a:p>
+              <a:pPr algn="ctr"/>
+              <a:endParaRPr lang="en-GB" sz="1400"/>
+            </a:p>
+          </p:txBody>
+        </p:sp>
+        <p:sp>
+          <p:nvSpPr>
+            <p:cNvPr id="37" name="TextBox 36">
+              <a:extLst>
+                <a:ext uri="{FF2B5EF4-FFF2-40B4-BE49-F238E27FC236}">
+                  <a16:creationId xmlns:a16="http://schemas.microsoft.com/office/drawing/2014/main" id="{744B8666-E556-4EC5-B4C3-CD76599CC3D9}"/>
+                </a:ext>
+              </a:extLst>
+            </p:cNvPr>
+            <p:cNvSpPr txBox="1"/>
+            <p:nvPr/>
+          </p:nvSpPr>
+          <p:spPr>
+            <a:xfrm>
+              <a:off x="11351801" y="1639265"/>
+              <a:ext cx="721895" cy="434265"/>
+            </a:xfrm>
+            <a:prstGeom prst="rect">
+              <a:avLst/>
+            </a:prstGeom>
+            <a:noFill/>
+          </p:spPr>
+          <p:txBody>
+            <a:bodyPr wrap="square" rtlCol="0">
+              <a:spAutoFit/>
+            </a:bodyPr>
+            <a:lstStyle/>
+            <a:p>
+              <a:r>
+                <a:rPr lang="en-GB" sz="1400" dirty="0"/>
+                <a:t>u</a:t>
+              </a:r>
+              <a:r>
+                <a:rPr lang="en-GB" sz="1400" baseline="-25000" dirty="0"/>
+                <a:t>y4</a:t>
+              </a:r>
+              <a:endParaRPr lang="en-GB" sz="1400" dirty="0"/>
+            </a:p>
+          </p:txBody>
+        </p:sp>
+      </p:grpSp>
+      <p:grpSp>
+        <p:nvGrpSpPr>
+          <p:cNvPr id="5" name="Group 4">
+            <a:extLst>
+              <a:ext uri="{FF2B5EF4-FFF2-40B4-BE49-F238E27FC236}">
+                <a16:creationId xmlns:a16="http://schemas.microsoft.com/office/drawing/2014/main" id="{9EDDBA4D-6915-4E10-BE8E-CDF9A8BAC66B}"/>
+              </a:ext>
+            </a:extLst>
+          </p:cNvPr>
+          <p:cNvGrpSpPr/>
+          <p:nvPr/>
+        </p:nvGrpSpPr>
+        <p:grpSpPr>
+          <a:xfrm>
+            <a:off x="8423212" y="1834995"/>
+            <a:ext cx="3804676" cy="2927874"/>
+            <a:chOff x="5855791" y="2378240"/>
+            <a:chExt cx="5405200" cy="4131149"/>
+          </a:xfrm>
+        </p:grpSpPr>
+        <p:sp>
+          <p:nvSpPr>
+            <p:cNvPr id="38" name="Arc 37">
+              <a:extLst>
+                <a:ext uri="{FF2B5EF4-FFF2-40B4-BE49-F238E27FC236}">
+                  <a16:creationId xmlns:a16="http://schemas.microsoft.com/office/drawing/2014/main" id="{97FEBCA4-87EF-4B35-BBE5-3581EF175850}"/>
+                </a:ext>
+              </a:extLst>
+            </p:cNvPr>
+            <p:cNvSpPr/>
+            <p:nvPr/>
+          </p:nvSpPr>
+          <p:spPr>
+            <a:xfrm rot="1003916">
+              <a:off x="5887877" y="5437388"/>
+              <a:ext cx="721895" cy="705852"/>
+            </a:xfrm>
+            <a:prstGeom prst="arc">
+              <a:avLst>
+                <a:gd name="adj1" fmla="val 16200000"/>
+                <a:gd name="adj2" fmla="val 13932934"/>
+              </a:avLst>
+            </a:prstGeom>
+            <a:noFill/>
+            <a:ln w="38100">
+              <a:solidFill>
+                <a:schemeClr val="tx1"/>
+              </a:solidFill>
+              <a:headEnd type="triangle" w="lg" len="lg"/>
+              <a:tailEnd type="triangle" w="lg" len="lg"/>
+            </a:ln>
+          </p:spPr>
+          <p:style>
+            <a:lnRef idx="1">
+              <a:schemeClr val="accent1"/>
+            </a:lnRef>
+            <a:fillRef idx="0">
+              <a:schemeClr val="accent1"/>
+            </a:fillRef>
+            <a:effectRef idx="0">
+              <a:schemeClr val="accent1"/>
+            </a:effectRef>
+            <a:fontRef idx="minor">
+              <a:schemeClr val="tx1"/>
+            </a:fontRef>
+          </p:style>
+          <p:txBody>
+            <a:bodyPr rtlCol="0" anchor="ctr"/>
+            <a:lstStyle/>
+            <a:p>
+              <a:pPr algn="ctr"/>
+              <a:endParaRPr lang="en-GB" sz="1400" dirty="0"/>
+            </a:p>
+          </p:txBody>
+        </p:sp>
+        <p:sp>
+          <p:nvSpPr>
+            <p:cNvPr id="40" name="Rectangle 39">
+              <a:extLst>
+                <a:ext uri="{FF2B5EF4-FFF2-40B4-BE49-F238E27FC236}">
+                  <a16:creationId xmlns:a16="http://schemas.microsoft.com/office/drawing/2014/main" id="{FF749EBA-D01B-4DDC-8830-EA404CD4E454}"/>
+                </a:ext>
+              </a:extLst>
+            </p:cNvPr>
+            <p:cNvSpPr/>
+            <p:nvPr/>
+          </p:nvSpPr>
+          <p:spPr>
+            <a:xfrm>
+              <a:off x="5855791" y="4722773"/>
+              <a:ext cx="721895" cy="705852"/>
+            </a:xfrm>
+            <a:prstGeom prst="rect">
+              <a:avLst/>
+            </a:prstGeom>
+            <a:noFill/>
+            <a:ln>
+              <a:solidFill>
+                <a:schemeClr val="tx1"/>
+              </a:solidFill>
+            </a:ln>
+          </p:spPr>
+          <p:style>
+            <a:lnRef idx="2">
+              <a:schemeClr val="accent1">
+                <a:shade val="50000"/>
+              </a:schemeClr>
+            </a:lnRef>
+            <a:fillRef idx="1">
+              <a:schemeClr val="accent1"/>
+            </a:fillRef>
+            <a:effectRef idx="0">
+              <a:schemeClr val="accent1"/>
+            </a:effectRef>
+            <a:fontRef idx="minor">
+              <a:schemeClr val="lt1"/>
+            </a:fontRef>
+          </p:style>
+          <p:txBody>
+            <a:bodyPr rtlCol="0" anchor="ctr"/>
+            <a:lstStyle/>
+            <a:p>
+              <a:pPr algn="ctr"/>
+              <a:r>
+                <a:rPr lang="en-GB" sz="1400" dirty="0">
+                  <a:solidFill>
+                    <a:schemeClr val="tx1"/>
+                  </a:solidFill>
+                </a:rPr>
+                <a:t>Y1</a:t>
+              </a:r>
+            </a:p>
+          </p:txBody>
+        </p:sp>
+        <p:sp>
+          <p:nvSpPr>
+            <p:cNvPr id="41" name="Rectangle 40">
+              <a:extLst>
+                <a:ext uri="{FF2B5EF4-FFF2-40B4-BE49-F238E27FC236}">
+                  <a16:creationId xmlns:a16="http://schemas.microsoft.com/office/drawing/2014/main" id="{978493A3-D676-4A43-9BB7-ED4827E37680}"/>
+                </a:ext>
+              </a:extLst>
+            </p:cNvPr>
+            <p:cNvSpPr/>
+            <p:nvPr/>
+          </p:nvSpPr>
+          <p:spPr>
+            <a:xfrm>
+              <a:off x="7379113" y="4722773"/>
+              <a:ext cx="721895" cy="705852"/>
+            </a:xfrm>
+            <a:prstGeom prst="rect">
+              <a:avLst/>
+            </a:prstGeom>
+            <a:noFill/>
+            <a:ln>
+              <a:solidFill>
+                <a:schemeClr val="tx1"/>
+              </a:solidFill>
+            </a:ln>
+          </p:spPr>
+          <p:style>
+            <a:lnRef idx="2">
+              <a:schemeClr val="accent1">
+                <a:shade val="50000"/>
+              </a:schemeClr>
+            </a:lnRef>
+            <a:fillRef idx="1">
+              <a:schemeClr val="accent1"/>
+            </a:fillRef>
+            <a:effectRef idx="0">
+              <a:schemeClr val="accent1"/>
+            </a:effectRef>
+            <a:fontRef idx="minor">
+              <a:schemeClr val="lt1"/>
+            </a:fontRef>
+          </p:style>
+          <p:txBody>
+            <a:bodyPr rtlCol="0" anchor="ctr"/>
+            <a:lstStyle/>
+            <a:p>
+              <a:pPr algn="ctr"/>
+              <a:r>
+                <a:rPr lang="en-GB" sz="1400" dirty="0">
+                  <a:solidFill>
+                    <a:schemeClr val="tx1"/>
+                  </a:solidFill>
+                </a:rPr>
+                <a:t>Y2</a:t>
+              </a:r>
+            </a:p>
+          </p:txBody>
+        </p:sp>
+        <p:sp>
+          <p:nvSpPr>
+            <p:cNvPr id="42" name="Arc 41">
+              <a:extLst>
+                <a:ext uri="{FF2B5EF4-FFF2-40B4-BE49-F238E27FC236}">
+                  <a16:creationId xmlns:a16="http://schemas.microsoft.com/office/drawing/2014/main" id="{C5E35500-289C-4006-B9CD-9279A2E57498}"/>
+                </a:ext>
+              </a:extLst>
+            </p:cNvPr>
+            <p:cNvSpPr/>
+            <p:nvPr/>
+          </p:nvSpPr>
+          <p:spPr>
+            <a:xfrm rot="1003916">
+              <a:off x="7379112" y="5446151"/>
+              <a:ext cx="721895" cy="705852"/>
+            </a:xfrm>
+            <a:prstGeom prst="arc">
+              <a:avLst>
+                <a:gd name="adj1" fmla="val 16200000"/>
+                <a:gd name="adj2" fmla="val 13932934"/>
+              </a:avLst>
+            </a:prstGeom>
+            <a:noFill/>
+            <a:ln w="38100">
+              <a:solidFill>
+                <a:schemeClr val="tx1"/>
+              </a:solidFill>
+              <a:headEnd type="triangle" w="lg" len="lg"/>
+              <a:tailEnd type="triangle" w="lg" len="lg"/>
+            </a:ln>
+          </p:spPr>
+          <p:style>
+            <a:lnRef idx="1">
+              <a:schemeClr val="accent1"/>
+            </a:lnRef>
+            <a:fillRef idx="0">
+              <a:schemeClr val="accent1"/>
+            </a:fillRef>
+            <a:effectRef idx="0">
+              <a:schemeClr val="accent1"/>
+            </a:effectRef>
+            <a:fontRef idx="minor">
+              <a:schemeClr val="tx1"/>
+            </a:fontRef>
+          </p:style>
+          <p:txBody>
+            <a:bodyPr rtlCol="0" anchor="ctr"/>
+            <a:lstStyle/>
+            <a:p>
+              <a:pPr algn="ctr"/>
+              <a:endParaRPr lang="en-GB" sz="1400"/>
+            </a:p>
+          </p:txBody>
+        </p:sp>
+        <p:sp>
+          <p:nvSpPr>
+            <p:cNvPr id="43" name="Rectangle 42">
+              <a:extLst>
+                <a:ext uri="{FF2B5EF4-FFF2-40B4-BE49-F238E27FC236}">
+                  <a16:creationId xmlns:a16="http://schemas.microsoft.com/office/drawing/2014/main" id="{DFD4772E-D563-481B-9FFF-F4F75446F811}"/>
+                </a:ext>
+              </a:extLst>
+            </p:cNvPr>
+            <p:cNvSpPr/>
+            <p:nvPr/>
+          </p:nvSpPr>
+          <p:spPr>
+            <a:xfrm>
+              <a:off x="8924319" y="4722773"/>
+              <a:ext cx="721895" cy="705852"/>
+            </a:xfrm>
+            <a:prstGeom prst="rect">
+              <a:avLst/>
+            </a:prstGeom>
+            <a:noFill/>
+            <a:ln>
+              <a:solidFill>
+                <a:schemeClr val="tx1"/>
+              </a:solidFill>
+            </a:ln>
+          </p:spPr>
+          <p:style>
+            <a:lnRef idx="2">
+              <a:schemeClr val="accent1">
+                <a:shade val="50000"/>
+              </a:schemeClr>
+            </a:lnRef>
+            <a:fillRef idx="1">
+              <a:schemeClr val="accent1"/>
+            </a:fillRef>
+            <a:effectRef idx="0">
+              <a:schemeClr val="accent1"/>
+            </a:effectRef>
+            <a:fontRef idx="minor">
+              <a:schemeClr val="lt1"/>
+            </a:fontRef>
+          </p:style>
+          <p:txBody>
+            <a:bodyPr rtlCol="0" anchor="ctr"/>
+            <a:lstStyle/>
+            <a:p>
+              <a:pPr algn="ctr"/>
+              <a:r>
+                <a:rPr lang="en-GB" sz="1400" dirty="0">
+                  <a:solidFill>
+                    <a:schemeClr val="tx1"/>
+                  </a:solidFill>
+                </a:rPr>
+                <a:t>Y3</a:t>
+              </a:r>
+            </a:p>
+          </p:txBody>
+        </p:sp>
+        <p:sp>
+          <p:nvSpPr>
+            <p:cNvPr id="44" name="Arc 43">
+              <a:extLst>
+                <a:ext uri="{FF2B5EF4-FFF2-40B4-BE49-F238E27FC236}">
+                  <a16:creationId xmlns:a16="http://schemas.microsoft.com/office/drawing/2014/main" id="{E852166A-1040-4E94-A005-BF3A5127B1B3}"/>
+                </a:ext>
+              </a:extLst>
+            </p:cNvPr>
+            <p:cNvSpPr/>
+            <p:nvPr/>
+          </p:nvSpPr>
+          <p:spPr>
+            <a:xfrm rot="1003916">
+              <a:off x="8924318" y="5446151"/>
+              <a:ext cx="721895" cy="705852"/>
+            </a:xfrm>
+            <a:prstGeom prst="arc">
+              <a:avLst>
+                <a:gd name="adj1" fmla="val 16200000"/>
+                <a:gd name="adj2" fmla="val 13932934"/>
+              </a:avLst>
+            </a:prstGeom>
+            <a:noFill/>
+            <a:ln w="38100">
+              <a:solidFill>
+                <a:schemeClr val="tx1"/>
+              </a:solidFill>
+              <a:headEnd type="triangle" w="lg" len="lg"/>
+              <a:tailEnd type="triangle" w="lg" len="lg"/>
+            </a:ln>
+          </p:spPr>
+          <p:style>
+            <a:lnRef idx="1">
+              <a:schemeClr val="accent1"/>
+            </a:lnRef>
+            <a:fillRef idx="0">
+              <a:schemeClr val="accent1"/>
+            </a:fillRef>
+            <a:effectRef idx="0">
+              <a:schemeClr val="accent1"/>
+            </a:effectRef>
+            <a:fontRef idx="minor">
+              <a:schemeClr val="tx1"/>
+            </a:fontRef>
+          </p:style>
+          <p:txBody>
+            <a:bodyPr rtlCol="0" anchor="ctr"/>
+            <a:lstStyle/>
+            <a:p>
+              <a:pPr algn="ctr"/>
+              <a:endParaRPr lang="en-GB" sz="1400"/>
+            </a:p>
+          </p:txBody>
+        </p:sp>
+        <p:sp>
+          <p:nvSpPr>
+            <p:cNvPr id="45" name="TextBox 44">
+              <a:extLst>
+                <a:ext uri="{FF2B5EF4-FFF2-40B4-BE49-F238E27FC236}">
+                  <a16:creationId xmlns:a16="http://schemas.microsoft.com/office/drawing/2014/main" id="{03B2B25C-2F3B-4485-8446-65D7C25528BF}"/>
+                </a:ext>
+              </a:extLst>
+            </p:cNvPr>
+            <p:cNvSpPr txBox="1"/>
+            <p:nvPr/>
+          </p:nvSpPr>
+          <p:spPr>
+            <a:xfrm>
+              <a:off x="5984809" y="6075124"/>
+              <a:ext cx="721895" cy="434265"/>
+            </a:xfrm>
+            <a:prstGeom prst="rect">
+              <a:avLst/>
+            </a:prstGeom>
+            <a:noFill/>
+          </p:spPr>
+          <p:txBody>
+            <a:bodyPr wrap="square" rtlCol="0">
+              <a:spAutoFit/>
+            </a:bodyPr>
+            <a:lstStyle/>
+            <a:p>
+              <a:r>
+                <a:rPr lang="en-GB" sz="1400" dirty="0"/>
+                <a:t>u</a:t>
+              </a:r>
+              <a:r>
+                <a:rPr lang="en-GB" sz="1400" baseline="-25000" dirty="0"/>
+                <a:t>y1</a:t>
+              </a:r>
+              <a:endParaRPr lang="en-GB" sz="1400" dirty="0"/>
+            </a:p>
+          </p:txBody>
+        </p:sp>
+        <p:sp>
+          <p:nvSpPr>
+            <p:cNvPr id="46" name="TextBox 45">
+              <a:extLst>
+                <a:ext uri="{FF2B5EF4-FFF2-40B4-BE49-F238E27FC236}">
+                  <a16:creationId xmlns:a16="http://schemas.microsoft.com/office/drawing/2014/main" id="{31F93626-207E-45EE-B0E3-DD24590D7FC6}"/>
+                </a:ext>
+              </a:extLst>
+            </p:cNvPr>
+            <p:cNvSpPr txBox="1"/>
+            <p:nvPr/>
+          </p:nvSpPr>
+          <p:spPr>
+            <a:xfrm>
+              <a:off x="7577844" y="6067549"/>
+              <a:ext cx="721895" cy="434265"/>
+            </a:xfrm>
+            <a:prstGeom prst="rect">
+              <a:avLst/>
+            </a:prstGeom>
+            <a:noFill/>
+          </p:spPr>
+          <p:txBody>
+            <a:bodyPr wrap="square" rtlCol="0">
+              <a:spAutoFit/>
+            </a:bodyPr>
+            <a:lstStyle/>
+            <a:p>
+              <a:r>
+                <a:rPr lang="en-GB" sz="1400" dirty="0"/>
+                <a:t>u</a:t>
+              </a:r>
+              <a:r>
+                <a:rPr lang="en-GB" sz="1400" baseline="-25000" dirty="0"/>
+                <a:t>y2</a:t>
+              </a:r>
+              <a:endParaRPr lang="en-GB" sz="1400" dirty="0"/>
+            </a:p>
+          </p:txBody>
+        </p:sp>
+        <p:sp>
+          <p:nvSpPr>
+            <p:cNvPr id="47" name="TextBox 46">
+              <a:extLst>
+                <a:ext uri="{FF2B5EF4-FFF2-40B4-BE49-F238E27FC236}">
+                  <a16:creationId xmlns:a16="http://schemas.microsoft.com/office/drawing/2014/main" id="{7A72286F-01F3-421C-913E-5B63FDC4F8B4}"/>
+                </a:ext>
+              </a:extLst>
+            </p:cNvPr>
+            <p:cNvSpPr txBox="1"/>
+            <p:nvPr/>
+          </p:nvSpPr>
+          <p:spPr>
+            <a:xfrm>
+              <a:off x="9058471" y="6063031"/>
+              <a:ext cx="721895" cy="434265"/>
+            </a:xfrm>
+            <a:prstGeom prst="rect">
+              <a:avLst/>
+            </a:prstGeom>
+            <a:noFill/>
+          </p:spPr>
+          <p:txBody>
+            <a:bodyPr wrap="square" rtlCol="0">
+              <a:spAutoFit/>
+            </a:bodyPr>
+            <a:lstStyle/>
+            <a:p>
+              <a:r>
+                <a:rPr lang="en-GB" sz="1400" dirty="0"/>
+                <a:t>u</a:t>
+              </a:r>
+              <a:r>
+                <a:rPr lang="en-GB" sz="1400" baseline="-25000" dirty="0"/>
+                <a:t>y3</a:t>
+              </a:r>
+              <a:endParaRPr lang="en-GB" sz="1400" dirty="0"/>
+            </a:p>
+          </p:txBody>
+        </p:sp>
+        <p:sp>
+          <p:nvSpPr>
+            <p:cNvPr id="48" name="Rectangle 47">
+              <a:extLst>
+                <a:ext uri="{FF2B5EF4-FFF2-40B4-BE49-F238E27FC236}">
+                  <a16:creationId xmlns:a16="http://schemas.microsoft.com/office/drawing/2014/main" id="{D7F6E198-E740-4FF0-8D39-FE6A9E8BE28D}"/>
+                </a:ext>
+              </a:extLst>
+            </p:cNvPr>
+            <p:cNvSpPr/>
+            <p:nvPr/>
+          </p:nvSpPr>
+          <p:spPr>
+            <a:xfrm>
+              <a:off x="10404945" y="4722773"/>
+              <a:ext cx="721895" cy="705852"/>
+            </a:xfrm>
+            <a:prstGeom prst="rect">
+              <a:avLst/>
+            </a:prstGeom>
+            <a:noFill/>
+            <a:ln>
+              <a:solidFill>
+                <a:schemeClr val="tx1"/>
+              </a:solidFill>
+            </a:ln>
+          </p:spPr>
+          <p:style>
+            <a:lnRef idx="2">
+              <a:schemeClr val="accent1">
+                <a:shade val="50000"/>
+              </a:schemeClr>
+            </a:lnRef>
+            <a:fillRef idx="1">
+              <a:schemeClr val="accent1"/>
+            </a:fillRef>
+            <a:effectRef idx="0">
+              <a:schemeClr val="accent1"/>
+            </a:effectRef>
+            <a:fontRef idx="minor">
+              <a:schemeClr val="lt1"/>
+            </a:fontRef>
+          </p:style>
+          <p:txBody>
+            <a:bodyPr rtlCol="0" anchor="ctr"/>
+            <a:lstStyle/>
+            <a:p>
+              <a:pPr algn="ctr"/>
+              <a:r>
+                <a:rPr lang="en-GB" sz="1400" dirty="0">
+                  <a:solidFill>
+                    <a:schemeClr val="tx1"/>
+                  </a:solidFill>
+                </a:rPr>
+                <a:t>Y4</a:t>
+              </a:r>
+            </a:p>
+          </p:txBody>
+        </p:sp>
+        <p:sp>
+          <p:nvSpPr>
+            <p:cNvPr id="49" name="Arc 48">
+              <a:extLst>
+                <a:ext uri="{FF2B5EF4-FFF2-40B4-BE49-F238E27FC236}">
+                  <a16:creationId xmlns:a16="http://schemas.microsoft.com/office/drawing/2014/main" id="{0064886E-85ED-416E-AB6A-11CD5EF1EC23}"/>
+                </a:ext>
+              </a:extLst>
+            </p:cNvPr>
+            <p:cNvSpPr/>
+            <p:nvPr/>
+          </p:nvSpPr>
+          <p:spPr>
+            <a:xfrm rot="1003916">
+              <a:off x="10404944" y="5446151"/>
+              <a:ext cx="721895" cy="705852"/>
+            </a:xfrm>
+            <a:prstGeom prst="arc">
+              <a:avLst>
+                <a:gd name="adj1" fmla="val 16200000"/>
+                <a:gd name="adj2" fmla="val 13932934"/>
+              </a:avLst>
+            </a:prstGeom>
+            <a:noFill/>
+            <a:ln w="38100">
+              <a:solidFill>
+                <a:schemeClr val="tx1"/>
+              </a:solidFill>
+              <a:headEnd type="triangle" w="lg" len="lg"/>
+              <a:tailEnd type="triangle" w="lg" len="lg"/>
+            </a:ln>
+          </p:spPr>
+          <p:style>
+            <a:lnRef idx="1">
+              <a:schemeClr val="accent1"/>
+            </a:lnRef>
+            <a:fillRef idx="0">
+              <a:schemeClr val="accent1"/>
+            </a:fillRef>
+            <a:effectRef idx="0">
+              <a:schemeClr val="accent1"/>
+            </a:effectRef>
+            <a:fontRef idx="minor">
+              <a:schemeClr val="tx1"/>
+            </a:fontRef>
+          </p:style>
+          <p:txBody>
+            <a:bodyPr rtlCol="0" anchor="ctr"/>
+            <a:lstStyle/>
+            <a:p>
+              <a:pPr algn="ctr"/>
+              <a:endParaRPr lang="en-GB" sz="1400"/>
+            </a:p>
+          </p:txBody>
+        </p:sp>
+        <p:sp>
+          <p:nvSpPr>
+            <p:cNvPr id="50" name="TextBox 49">
+              <a:extLst>
+                <a:ext uri="{FF2B5EF4-FFF2-40B4-BE49-F238E27FC236}">
+                  <a16:creationId xmlns:a16="http://schemas.microsoft.com/office/drawing/2014/main" id="{2F2E9B23-8411-47DC-B536-3528F3BC3218}"/>
+                </a:ext>
+              </a:extLst>
+            </p:cNvPr>
+            <p:cNvSpPr txBox="1"/>
+            <p:nvPr/>
+          </p:nvSpPr>
+          <p:spPr>
+            <a:xfrm>
+              <a:off x="10539096" y="6063031"/>
+              <a:ext cx="721895" cy="434265"/>
+            </a:xfrm>
+            <a:prstGeom prst="rect">
+              <a:avLst/>
+            </a:prstGeom>
+            <a:noFill/>
+          </p:spPr>
+          <p:txBody>
+            <a:bodyPr wrap="square" rtlCol="0">
+              <a:spAutoFit/>
+            </a:bodyPr>
+            <a:lstStyle/>
+            <a:p>
+              <a:r>
+                <a:rPr lang="en-GB" sz="1400" dirty="0"/>
+                <a:t>u</a:t>
+              </a:r>
+              <a:r>
+                <a:rPr lang="en-GB" sz="1400" baseline="-25000" dirty="0"/>
+                <a:t>y4</a:t>
+              </a:r>
+              <a:endParaRPr lang="en-GB" sz="1400" dirty="0"/>
+            </a:p>
+          </p:txBody>
+        </p:sp>
+        <p:sp>
+          <p:nvSpPr>
+            <p:cNvPr id="51" name="Oval 50">
+              <a:extLst>
+                <a:ext uri="{FF2B5EF4-FFF2-40B4-BE49-F238E27FC236}">
+                  <a16:creationId xmlns:a16="http://schemas.microsoft.com/office/drawing/2014/main" id="{627AE91F-F8E7-424B-B942-441D0EFE8B42}"/>
+                </a:ext>
+              </a:extLst>
+            </p:cNvPr>
+            <p:cNvSpPr/>
+            <p:nvPr/>
+          </p:nvSpPr>
+          <p:spPr>
+            <a:xfrm>
+              <a:off x="7938791" y="2744371"/>
+              <a:ext cx="1173653" cy="883798"/>
+            </a:xfrm>
+            <a:prstGeom prst="ellipse">
+              <a:avLst/>
+            </a:prstGeom>
+            <a:solidFill>
+              <a:schemeClr val="bg1"/>
+            </a:solidFill>
+            <a:ln>
+              <a:solidFill>
+                <a:schemeClr val="tx1"/>
+              </a:solidFill>
+            </a:ln>
+          </p:spPr>
+          <p:style>
+            <a:lnRef idx="2">
+              <a:schemeClr val="accent1">
+                <a:shade val="50000"/>
+              </a:schemeClr>
+            </a:lnRef>
+            <a:fillRef idx="1">
+              <a:schemeClr val="accent1"/>
+            </a:fillRef>
+            <a:effectRef idx="0">
+              <a:schemeClr val="accent1"/>
+            </a:effectRef>
+            <a:fontRef idx="minor">
+              <a:schemeClr val="lt1"/>
+            </a:fontRef>
+          </p:style>
+          <p:txBody>
+            <a:bodyPr rtlCol="0" anchor="ctr"/>
+            <a:lstStyle/>
+            <a:p>
+              <a:pPr algn="ctr"/>
+              <a:r>
+                <a:rPr lang="en-GB" sz="1400" dirty="0">
+                  <a:solidFill>
+                    <a:schemeClr val="tx1"/>
+                  </a:solidFill>
+                </a:rPr>
+                <a:t>F</a:t>
+              </a:r>
+            </a:p>
+          </p:txBody>
+        </p:sp>
+        <p:cxnSp>
+          <p:nvCxnSpPr>
+            <p:cNvPr id="52" name="Straight Arrow Connector 51">
+              <a:extLst>
+                <a:ext uri="{FF2B5EF4-FFF2-40B4-BE49-F238E27FC236}">
+                  <a16:creationId xmlns:a16="http://schemas.microsoft.com/office/drawing/2014/main" id="{1ABF66E2-C597-4099-8127-C5CAA3B4A1A7}"/>
+                </a:ext>
+              </a:extLst>
+            </p:cNvPr>
+            <p:cNvCxnSpPr>
+              <a:stCxn id="51" idx="4"/>
+              <a:endCxn id="40" idx="0"/>
+            </p:cNvCxnSpPr>
+            <p:nvPr/>
+          </p:nvCxnSpPr>
+          <p:spPr>
+            <a:xfrm flipH="1">
+              <a:off x="6216739" y="3628169"/>
+              <a:ext cx="2308879" cy="1094604"/>
+            </a:xfrm>
+            <a:prstGeom prst="straightConnector1">
+              <a:avLst/>
+            </a:prstGeom>
+            <a:ln w="38100">
+              <a:solidFill>
+                <a:schemeClr val="tx1"/>
+              </a:solidFill>
+              <a:headEnd w="lg" len="lg"/>
+              <a:tailEnd type="triangle" w="lg" len="lg"/>
+            </a:ln>
+          </p:spPr>
+          <p:style>
+            <a:lnRef idx="1">
+              <a:schemeClr val="accent1"/>
+            </a:lnRef>
+            <a:fillRef idx="0">
+              <a:schemeClr val="accent1"/>
+            </a:fillRef>
+            <a:effectRef idx="0">
+              <a:schemeClr val="accent1"/>
+            </a:effectRef>
+            <a:fontRef idx="minor">
+              <a:schemeClr val="tx1"/>
+            </a:fontRef>
+          </p:style>
+        </p:cxnSp>
+        <p:cxnSp>
+          <p:nvCxnSpPr>
+            <p:cNvPr id="53" name="Straight Arrow Connector 52">
+              <a:extLst>
+                <a:ext uri="{FF2B5EF4-FFF2-40B4-BE49-F238E27FC236}">
+                  <a16:creationId xmlns:a16="http://schemas.microsoft.com/office/drawing/2014/main" id="{34C60A3D-3AA4-486C-AC6C-2F1CCFA479AF}"/>
+                </a:ext>
+              </a:extLst>
+            </p:cNvPr>
+            <p:cNvCxnSpPr>
+              <a:stCxn id="51" idx="4"/>
+              <a:endCxn id="41" idx="0"/>
+            </p:cNvCxnSpPr>
+            <p:nvPr/>
+          </p:nvCxnSpPr>
+          <p:spPr>
+            <a:xfrm flipH="1">
+              <a:off x="7740061" y="3628169"/>
+              <a:ext cx="785557" cy="1094604"/>
+            </a:xfrm>
+            <a:prstGeom prst="straightConnector1">
+              <a:avLst/>
+            </a:prstGeom>
+            <a:ln w="38100">
+              <a:solidFill>
+                <a:schemeClr val="tx1"/>
+              </a:solidFill>
+              <a:headEnd w="lg" len="lg"/>
+              <a:tailEnd type="triangle" w="lg" len="lg"/>
+            </a:ln>
+          </p:spPr>
+          <p:style>
+            <a:lnRef idx="1">
+              <a:schemeClr val="accent1"/>
+            </a:lnRef>
+            <a:fillRef idx="0">
+              <a:schemeClr val="accent1"/>
+            </a:fillRef>
+            <a:effectRef idx="0">
+              <a:schemeClr val="accent1"/>
+            </a:effectRef>
+            <a:fontRef idx="minor">
+              <a:schemeClr val="tx1"/>
+            </a:fontRef>
+          </p:style>
+        </p:cxnSp>
+        <p:cxnSp>
+          <p:nvCxnSpPr>
+            <p:cNvPr id="54" name="Straight Arrow Connector 53">
+              <a:extLst>
+                <a:ext uri="{FF2B5EF4-FFF2-40B4-BE49-F238E27FC236}">
+                  <a16:creationId xmlns:a16="http://schemas.microsoft.com/office/drawing/2014/main" id="{813CA6A7-A9F1-4C39-B82E-09B31B03383D}"/>
+                </a:ext>
+              </a:extLst>
+            </p:cNvPr>
+            <p:cNvCxnSpPr>
+              <a:stCxn id="51" idx="4"/>
+              <a:endCxn id="43" idx="0"/>
+            </p:cNvCxnSpPr>
+            <p:nvPr/>
+          </p:nvCxnSpPr>
+          <p:spPr>
+            <a:xfrm>
+              <a:off x="8525618" y="3628169"/>
+              <a:ext cx="759649" cy="1094604"/>
+            </a:xfrm>
+            <a:prstGeom prst="straightConnector1">
+              <a:avLst/>
+            </a:prstGeom>
+            <a:ln w="38100">
+              <a:solidFill>
+                <a:schemeClr val="tx1"/>
+              </a:solidFill>
+              <a:headEnd w="lg" len="lg"/>
+              <a:tailEnd type="triangle" w="lg" len="lg"/>
+            </a:ln>
+          </p:spPr>
+          <p:style>
+            <a:lnRef idx="1">
+              <a:schemeClr val="accent1"/>
+            </a:lnRef>
+            <a:fillRef idx="0">
+              <a:schemeClr val="accent1"/>
+            </a:fillRef>
+            <a:effectRef idx="0">
+              <a:schemeClr val="accent1"/>
+            </a:effectRef>
+            <a:fontRef idx="minor">
+              <a:schemeClr val="tx1"/>
+            </a:fontRef>
+          </p:style>
+        </p:cxnSp>
+        <p:cxnSp>
+          <p:nvCxnSpPr>
+            <p:cNvPr id="55" name="Straight Arrow Connector 54">
+              <a:extLst>
+                <a:ext uri="{FF2B5EF4-FFF2-40B4-BE49-F238E27FC236}">
+                  <a16:creationId xmlns:a16="http://schemas.microsoft.com/office/drawing/2014/main" id="{04B92A38-1128-4D47-97D0-21C117883F0D}"/>
+                </a:ext>
+              </a:extLst>
+            </p:cNvPr>
+            <p:cNvCxnSpPr>
+              <a:stCxn id="51" idx="4"/>
+              <a:endCxn id="48" idx="0"/>
+            </p:cNvCxnSpPr>
+            <p:nvPr/>
+          </p:nvCxnSpPr>
+          <p:spPr>
+            <a:xfrm>
+              <a:off x="8525618" y="3628169"/>
+              <a:ext cx="2240275" cy="1094604"/>
+            </a:xfrm>
+            <a:prstGeom prst="straightConnector1">
+              <a:avLst/>
+            </a:prstGeom>
+            <a:ln w="38100">
+              <a:solidFill>
+                <a:schemeClr val="tx1"/>
+              </a:solidFill>
+              <a:headEnd w="lg" len="lg"/>
+              <a:tailEnd type="triangle" w="lg" len="lg"/>
+            </a:ln>
+          </p:spPr>
+          <p:style>
+            <a:lnRef idx="1">
+              <a:schemeClr val="accent1"/>
+            </a:lnRef>
+            <a:fillRef idx="0">
+              <a:schemeClr val="accent1"/>
+            </a:fillRef>
+            <a:effectRef idx="0">
+              <a:schemeClr val="accent1"/>
+            </a:effectRef>
+            <a:fontRef idx="minor">
+              <a:schemeClr val="tx1"/>
+            </a:fontRef>
+          </p:style>
+        </p:cxnSp>
+        <p:sp>
+          <p:nvSpPr>
+            <p:cNvPr id="56" name="Arc 55">
+              <a:extLst>
+                <a:ext uri="{FF2B5EF4-FFF2-40B4-BE49-F238E27FC236}">
+                  <a16:creationId xmlns:a16="http://schemas.microsoft.com/office/drawing/2014/main" id="{9DFEE4FA-3E58-4947-B8C8-1ADBC37B6D7F}"/>
+                </a:ext>
+              </a:extLst>
+            </p:cNvPr>
+            <p:cNvSpPr/>
+            <p:nvPr/>
+          </p:nvSpPr>
+          <p:spPr>
+            <a:xfrm rot="15103718">
+              <a:off x="8927561" y="2386262"/>
+              <a:ext cx="721895" cy="705852"/>
+            </a:xfrm>
+            <a:prstGeom prst="arc">
+              <a:avLst>
+                <a:gd name="adj1" fmla="val 16200000"/>
+                <a:gd name="adj2" fmla="val 13932934"/>
+              </a:avLst>
+            </a:prstGeom>
+            <a:noFill/>
+            <a:ln w="38100">
+              <a:solidFill>
+                <a:schemeClr val="tx1"/>
+              </a:solidFill>
+              <a:headEnd type="triangle" w="lg" len="lg"/>
+              <a:tailEnd type="triangle" w="lg" len="lg"/>
+            </a:ln>
+          </p:spPr>
+          <p:style>
+            <a:lnRef idx="1">
+              <a:schemeClr val="accent1"/>
+            </a:lnRef>
+            <a:fillRef idx="0">
+              <a:schemeClr val="accent1"/>
+            </a:fillRef>
+            <a:effectRef idx="0">
+              <a:schemeClr val="accent1"/>
+            </a:effectRef>
+            <a:fontRef idx="minor">
+              <a:schemeClr val="tx1"/>
+            </a:fontRef>
+          </p:style>
+          <p:txBody>
+            <a:bodyPr rtlCol="0" anchor="ctr"/>
+            <a:lstStyle/>
+            <a:p>
+              <a:pPr algn="ctr"/>
+              <a:endParaRPr lang="en-GB" sz="1400"/>
+            </a:p>
+          </p:txBody>
+        </p:sp>
+      </p:grpSp>
+      <p:cxnSp>
+        <p:nvCxnSpPr>
+          <p:cNvPr id="9" name="Straight Connector 8">
+            <a:extLst>
+              <a:ext uri="{FF2B5EF4-FFF2-40B4-BE49-F238E27FC236}">
+                <a16:creationId xmlns:a16="http://schemas.microsoft.com/office/drawing/2014/main" id="{C6A478F6-B874-4EDF-9419-7FF98C1151B1}"/>
+              </a:ext>
+            </a:extLst>
+          </p:cNvPr>
+          <p:cNvCxnSpPr>
+            <a:cxnSpLocks/>
+          </p:cNvCxnSpPr>
+          <p:nvPr/>
+        </p:nvCxnSpPr>
+        <p:spPr>
+          <a:xfrm>
+            <a:off x="4064000" y="-279400"/>
+            <a:ext cx="0" cy="7357533"/>
+          </a:xfrm>
+          <a:prstGeom prst="line">
+            <a:avLst/>
+          </a:prstGeom>
+          <a:ln w="38100">
+            <a:solidFill>
+              <a:schemeClr val="accent6"/>
+            </a:solidFill>
+          </a:ln>
+        </p:spPr>
+        <p:style>
+          <a:lnRef idx="1">
+            <a:schemeClr val="accent1"/>
+          </a:lnRef>
+          <a:fillRef idx="0">
+            <a:schemeClr val="accent1"/>
+          </a:fillRef>
+          <a:effectRef idx="0">
+            <a:schemeClr val="accent1"/>
+          </a:effectRef>
+          <a:fontRef idx="minor">
+            <a:schemeClr val="tx1"/>
+          </a:fontRef>
+        </p:style>
+      </p:cxnSp>
+      <p:cxnSp>
+        <p:nvCxnSpPr>
+          <p:cNvPr id="59" name="Straight Connector 58">
+            <a:extLst>
+              <a:ext uri="{FF2B5EF4-FFF2-40B4-BE49-F238E27FC236}">
+                <a16:creationId xmlns:a16="http://schemas.microsoft.com/office/drawing/2014/main" id="{8E28944E-87C8-4F9E-9FEA-CDAC7CFB6429}"/>
+              </a:ext>
+            </a:extLst>
+          </p:cNvPr>
+          <p:cNvCxnSpPr>
+            <a:cxnSpLocks/>
+          </p:cNvCxnSpPr>
+          <p:nvPr/>
+        </p:nvCxnSpPr>
+        <p:spPr>
+          <a:xfrm>
+            <a:off x="8204200" y="-211667"/>
+            <a:ext cx="0" cy="7205133"/>
+          </a:xfrm>
+          <a:prstGeom prst="line">
+            <a:avLst/>
+          </a:prstGeom>
+          <a:ln w="38100">
+            <a:solidFill>
+              <a:schemeClr val="accent6"/>
+            </a:solidFill>
+          </a:ln>
+        </p:spPr>
+        <p:style>
+          <a:lnRef idx="1">
+            <a:schemeClr val="accent1"/>
+          </a:lnRef>
+          <a:fillRef idx="0">
+            <a:schemeClr val="accent1"/>
+          </a:fillRef>
+          <a:effectRef idx="0">
+            <a:schemeClr val="accent1"/>
+          </a:effectRef>
+          <a:fontRef idx="minor">
+            <a:schemeClr val="tx1"/>
+          </a:fontRef>
+        </p:style>
+      </p:cxnSp>
+      <p:sp>
+        <p:nvSpPr>
+          <p:cNvPr id="15" name="TextBox 14">
+            <a:extLst>
+              <a:ext uri="{FF2B5EF4-FFF2-40B4-BE49-F238E27FC236}">
+                <a16:creationId xmlns:a16="http://schemas.microsoft.com/office/drawing/2014/main" id="{D2D194D1-0FAA-4637-86FD-EA217E7ED4FE}"/>
+              </a:ext>
+            </a:extLst>
+          </p:cNvPr>
+          <p:cNvSpPr txBox="1"/>
+          <p:nvPr/>
+        </p:nvSpPr>
+        <p:spPr>
+          <a:xfrm>
+            <a:off x="740596" y="0"/>
+            <a:ext cx="2099421" cy="646331"/>
+          </a:xfrm>
+          <a:prstGeom prst="rect">
+            <a:avLst/>
+          </a:prstGeom>
+          <a:noFill/>
+        </p:spPr>
+        <p:txBody>
+          <a:bodyPr wrap="none" rtlCol="0">
+            <a:spAutoFit/>
+          </a:bodyPr>
+          <a:lstStyle/>
+          <a:p>
+            <a:r>
+              <a:rPr lang="en-GB" sz="3600" b="1" dirty="0">
+                <a:solidFill>
+                  <a:schemeClr val="accent6"/>
+                </a:solidFill>
+                <a:latin typeface="Goudy Old Style" panose="02020502050305020303" pitchFamily="18" charset="0"/>
+              </a:rPr>
+              <a:t>they don’t</a:t>
+            </a:r>
+          </a:p>
+        </p:txBody>
+      </p:sp>
+      <p:sp>
+        <p:nvSpPr>
+          <p:cNvPr id="68" name="TextBox 67">
+            <a:extLst>
+              <a:ext uri="{FF2B5EF4-FFF2-40B4-BE49-F238E27FC236}">
+                <a16:creationId xmlns:a16="http://schemas.microsoft.com/office/drawing/2014/main" id="{B9B95901-C698-4427-83E6-D8FF0DF9011B}"/>
+              </a:ext>
+            </a:extLst>
+          </p:cNvPr>
+          <p:cNvSpPr txBox="1"/>
+          <p:nvPr/>
+        </p:nvSpPr>
+        <p:spPr>
+          <a:xfrm>
+            <a:off x="4234602" y="0"/>
+            <a:ext cx="3903313" cy="646331"/>
+          </a:xfrm>
+          <a:prstGeom prst="rect">
+            <a:avLst/>
+          </a:prstGeom>
+          <a:noFill/>
+        </p:spPr>
+        <p:txBody>
+          <a:bodyPr wrap="none" rtlCol="0">
+            <a:spAutoFit/>
+          </a:bodyPr>
+          <a:lstStyle/>
+          <a:p>
+            <a:r>
+              <a:rPr lang="en-GB" sz="3600" b="1" dirty="0">
+                <a:solidFill>
+                  <a:schemeClr val="accent6"/>
+                </a:solidFill>
+                <a:latin typeface="Goudy Old Style" panose="02020502050305020303" pitchFamily="18" charset="0"/>
+              </a:rPr>
+              <a:t>just because they do</a:t>
+            </a:r>
+          </a:p>
+        </p:txBody>
+      </p:sp>
+      <p:sp>
+        <p:nvSpPr>
+          <p:cNvPr id="69" name="TextBox 68">
+            <a:extLst>
+              <a:ext uri="{FF2B5EF4-FFF2-40B4-BE49-F238E27FC236}">
+                <a16:creationId xmlns:a16="http://schemas.microsoft.com/office/drawing/2014/main" id="{3E0B6248-5038-4683-A826-B2781216E89C}"/>
+              </a:ext>
+            </a:extLst>
+          </p:cNvPr>
+          <p:cNvSpPr txBox="1"/>
+          <p:nvPr/>
+        </p:nvSpPr>
+        <p:spPr>
+          <a:xfrm>
+            <a:off x="8338186" y="0"/>
+            <a:ext cx="3795274" cy="1200329"/>
+          </a:xfrm>
+          <a:prstGeom prst="rect">
+            <a:avLst/>
+          </a:prstGeom>
+          <a:noFill/>
+        </p:spPr>
+        <p:txBody>
+          <a:bodyPr wrap="square" rtlCol="0">
+            <a:spAutoFit/>
+          </a:bodyPr>
+          <a:lstStyle/>
+          <a:p>
+            <a:pPr algn="ctr"/>
+            <a:r>
+              <a:rPr lang="en-GB" sz="3600" b="1" dirty="0">
+                <a:solidFill>
+                  <a:schemeClr val="accent6"/>
+                </a:solidFill>
+                <a:latin typeface="Goudy Old Style" panose="02020502050305020303" pitchFamily="18" charset="0"/>
+              </a:rPr>
+              <a:t>because they all measure F</a:t>
+            </a:r>
+          </a:p>
+        </p:txBody>
+      </p:sp>
+      <p:sp>
+        <p:nvSpPr>
+          <p:cNvPr id="60" name="TextBox 59">
+            <a:extLst>
+              <a:ext uri="{FF2B5EF4-FFF2-40B4-BE49-F238E27FC236}">
+                <a16:creationId xmlns:a16="http://schemas.microsoft.com/office/drawing/2014/main" id="{57B954F4-C90C-4A57-8411-5CDB1C3E8F67}"/>
+              </a:ext>
+            </a:extLst>
+          </p:cNvPr>
+          <p:cNvSpPr txBox="1"/>
+          <p:nvPr/>
+        </p:nvSpPr>
+        <p:spPr>
+          <a:xfrm>
+            <a:off x="9200823" y="2907312"/>
+            <a:ext cx="5520386" cy="307777"/>
+          </a:xfrm>
+          <a:prstGeom prst="rect">
+            <a:avLst/>
+          </a:prstGeom>
+          <a:noFill/>
+        </p:spPr>
+        <p:txBody>
+          <a:bodyPr wrap="square" rtlCol="0">
+            <a:spAutoFit/>
+          </a:bodyPr>
+          <a:lstStyle/>
+          <a:p>
+            <a:r>
+              <a:rPr lang="en-GB" sz="1400" dirty="0"/>
+              <a:t>          a         b          c             d</a:t>
+            </a:r>
+          </a:p>
+        </p:txBody>
+      </p:sp>
+    </p:spTree>
+    <p:extLst>
+      <p:ext uri="{BB962C8B-B14F-4D97-AF65-F5344CB8AC3E}">
+        <p14:creationId xmlns:p14="http://schemas.microsoft.com/office/powerpoint/2010/main" val="1208335822"/>
+      </p:ext>
+    </p:extLst>
+  </p:cSld>
+  <p:clrMapOvr>
+    <a:masterClrMapping/>
+  </p:clrMapOvr>
+</p:sld>
+</file>
+
 <file path=ppt/theme/theme1.xml><?xml version="1.0" encoding="utf-8"?>
 <a:theme xmlns:a="http://schemas.openxmlformats.org/drawingml/2006/main" name="Office Theme">
   <a:themeElements>
